--- a/Docu elaborada/Presentación_EVS_UXOS_CENAD.pptx
+++ b/Docu elaborada/Presentación_EVS_UXOS_CENAD.pptx
@@ -1,6 +1,6 @@
 
 <file path=ppt/presentation.xml><?xml version="1.0" encoding="utf-8"?>
-<p:presentation xmlns:a="http://schemas.openxmlformats.org/drawingml/2006/main" xmlns:r="http://schemas.openxmlformats.org/officeDocument/2006/relationships" xmlns:p="http://schemas.openxmlformats.org/presentationml/2006/main" compatMode="1" saveSubsetFonts="1">
+<p:presentation xmlns:a="http://schemas.openxmlformats.org/drawingml/2006/main" xmlns:r="http://schemas.openxmlformats.org/officeDocument/2006/relationships" xmlns:p="http://schemas.openxmlformats.org/presentationml/2006/main" saveSubsetFonts="1">
   <p:sldMasterIdLst>
     <p:sldMasterId id="2147483648" r:id="rId1"/>
   </p:sldMasterIdLst>
@@ -206,7 +206,7 @@
           <p:cNvPr id="4098" name="Rectangle 2">
             <a:extLst>
               <a:ext uri="{FF2B5EF4-FFF2-40B4-BE49-F238E27FC236}">
-                <a16:creationId xmlns:a16="http://schemas.microsoft.com/office/drawing/2014/main" id="{7301BB8C-2DAA-A145-A2E1-B3649391EB9D}"/>
+                <a16:creationId xmlns:a16="http://schemas.microsoft.com/office/drawing/2014/main" xmlns="" id="{7301BB8C-2DAA-A145-A2E1-B3649391EB9D}"/>
               </a:ext>
             </a:extLst>
           </p:cNvPr>
@@ -285,7 +285,7 @@
           <p:cNvPr id="4099" name="Rectangle 3">
             <a:extLst>
               <a:ext uri="{FF2B5EF4-FFF2-40B4-BE49-F238E27FC236}">
-                <a16:creationId xmlns:a16="http://schemas.microsoft.com/office/drawing/2014/main" id="{72CDE936-7795-C144-AA9F-F05C2D88ED26}"/>
+                <a16:creationId xmlns:a16="http://schemas.microsoft.com/office/drawing/2014/main" xmlns="" id="{72CDE936-7795-C144-AA9F-F05C2D88ED26}"/>
               </a:ext>
             </a:extLst>
           </p:cNvPr>
@@ -364,7 +364,7 @@
           <p:cNvPr id="4100" name="Rectangle 4">
             <a:extLst>
               <a:ext uri="{FF2B5EF4-FFF2-40B4-BE49-F238E27FC236}">
-                <a16:creationId xmlns:a16="http://schemas.microsoft.com/office/drawing/2014/main" id="{9AB55F1A-30B5-BC47-9796-90A499593F42}"/>
+                <a16:creationId xmlns:a16="http://schemas.microsoft.com/office/drawing/2014/main" xmlns="" id="{9AB55F1A-30B5-BC47-9796-90A499593F42}"/>
               </a:ext>
             </a:extLst>
           </p:cNvPr>
@@ -443,7 +443,7 @@
           <p:cNvPr id="4101" name="Rectangle 5">
             <a:extLst>
               <a:ext uri="{FF2B5EF4-FFF2-40B4-BE49-F238E27FC236}">
-                <a16:creationId xmlns:a16="http://schemas.microsoft.com/office/drawing/2014/main" id="{80B3278C-0CD4-4444-96FD-21D07B4629DB}"/>
+                <a16:creationId xmlns:a16="http://schemas.microsoft.com/office/drawing/2014/main" xmlns="" id="{80B3278C-0CD4-4444-96FD-21D07B4629DB}"/>
               </a:ext>
             </a:extLst>
           </p:cNvPr>
@@ -523,6 +523,11 @@
         </p:txBody>
       </p:sp>
     </p:spTree>
+    <p:extLst>
+      <p:ext uri="{BB962C8B-B14F-4D97-AF65-F5344CB8AC3E}">
+        <p14:creationId xmlns:p14="http://schemas.microsoft.com/office/powerpoint/2010/main" val="3274238801"/>
+      </p:ext>
+    </p:extLst>
   </p:cSld>
   <p:clrMap bg1="lt1" tx1="dk1" bg2="lt2" tx2="dk2" accent1="accent1" accent2="accent2" accent3="accent3" accent4="accent4" accent5="accent5" accent6="accent6" hlink="hlink" folHlink="folHlink"/>
 </p:handoutMaster>
@@ -558,7 +563,7 @@
           <p:cNvPr id="2" name="Marcador de encabezado 1">
             <a:extLst>
               <a:ext uri="{FF2B5EF4-FFF2-40B4-BE49-F238E27FC236}">
-                <a16:creationId xmlns:a16="http://schemas.microsoft.com/office/drawing/2014/main" id="{190B05B0-4CD7-8548-B284-31056CA4D3C6}"/>
+                <a16:creationId xmlns:a16="http://schemas.microsoft.com/office/drawing/2014/main" xmlns="" id="{190B05B0-4CD7-8548-B284-31056CA4D3C6}"/>
               </a:ext>
             </a:extLst>
           </p:cNvPr>
@@ -598,7 +603,7 @@
           <p:cNvPr id="3" name="Marcador de fecha 2">
             <a:extLst>
               <a:ext uri="{FF2B5EF4-FFF2-40B4-BE49-F238E27FC236}">
-                <a16:creationId xmlns:a16="http://schemas.microsoft.com/office/drawing/2014/main" id="{7A4EB724-2211-3A4B-939D-AE5040DB6E11}"/>
+                <a16:creationId xmlns:a16="http://schemas.microsoft.com/office/drawing/2014/main" xmlns="" id="{7A4EB724-2211-3A4B-939D-AE5040DB6E11}"/>
               </a:ext>
             </a:extLst>
           </p:cNvPr>
@@ -634,7 +639,7 @@
               <a:pPr>
                 <a:defRPr/>
               </a:pPr>
-              <a:t>29/4/19</a:t>
+              <a:t>29/04/2019</a:t>
             </a:fld>
             <a:endParaRPr lang="es-ES"/>
           </a:p>
@@ -645,7 +650,7 @@
           <p:cNvPr id="4" name="Marcador de imagen de diapositiva 3">
             <a:extLst>
               <a:ext uri="{FF2B5EF4-FFF2-40B4-BE49-F238E27FC236}">
-                <a16:creationId xmlns:a16="http://schemas.microsoft.com/office/drawing/2014/main" id="{22BB66D7-F3E6-C442-94E8-C510FB352E0F}"/>
+                <a16:creationId xmlns:a16="http://schemas.microsoft.com/office/drawing/2014/main" xmlns="" id="{22BB66D7-F3E6-C442-94E8-C510FB352E0F}"/>
               </a:ext>
             </a:extLst>
           </p:cNvPr>
@@ -685,7 +690,7 @@
           <p:cNvPr id="5" name="Marcador de notas 4">
             <a:extLst>
               <a:ext uri="{FF2B5EF4-FFF2-40B4-BE49-F238E27FC236}">
-                <a16:creationId xmlns:a16="http://schemas.microsoft.com/office/drawing/2014/main" id="{A351D1A5-7E45-9F4C-B5F9-050AF4E79E01}"/>
+                <a16:creationId xmlns:a16="http://schemas.microsoft.com/office/drawing/2014/main" xmlns="" id="{A351D1A5-7E45-9F4C-B5F9-050AF4E79E01}"/>
               </a:ext>
             </a:extLst>
           </p:cNvPr>
@@ -750,7 +755,7 @@
           <p:cNvPr id="6" name="Marcador de pie de página 5">
             <a:extLst>
               <a:ext uri="{FF2B5EF4-FFF2-40B4-BE49-F238E27FC236}">
-                <a16:creationId xmlns:a16="http://schemas.microsoft.com/office/drawing/2014/main" id="{CDDA647B-9900-A042-837C-C5F3F92D9812}"/>
+                <a16:creationId xmlns:a16="http://schemas.microsoft.com/office/drawing/2014/main" xmlns="" id="{CDDA647B-9900-A042-837C-C5F3F92D9812}"/>
               </a:ext>
             </a:extLst>
           </p:cNvPr>
@@ -790,7 +795,7 @@
           <p:cNvPr id="7" name="Marcador de número de diapositiva 6">
             <a:extLst>
               <a:ext uri="{FF2B5EF4-FFF2-40B4-BE49-F238E27FC236}">
-                <a16:creationId xmlns:a16="http://schemas.microsoft.com/office/drawing/2014/main" id="{0038CB9D-584B-684A-BCE7-8A280ECEC657}"/>
+                <a16:creationId xmlns:a16="http://schemas.microsoft.com/office/drawing/2014/main" xmlns="" id="{0038CB9D-584B-684A-BCE7-8A280ECEC657}"/>
               </a:ext>
             </a:extLst>
           </p:cNvPr>
@@ -833,6 +838,11 @@
         </p:txBody>
       </p:sp>
     </p:spTree>
+    <p:extLst>
+      <p:ext uri="{BB962C8B-B14F-4D97-AF65-F5344CB8AC3E}">
+        <p14:creationId xmlns:p14="http://schemas.microsoft.com/office/powerpoint/2010/main" val="1386061741"/>
+      </p:ext>
+    </p:extLst>
   </p:cSld>
   <p:clrMap bg1="lt1" tx1="dk1" bg2="lt2" tx2="dk2" accent1="accent1" accent2="accent2" accent3="accent3" accent4="accent4" accent5="accent5" accent6="accent6" hlink="hlink" folHlink="folHlink"/>
   <p:notesStyle>
@@ -982,7 +992,7 @@
           <p:cNvPr id="34817" name="Marcador de imagen de diapositiva 1">
             <a:extLst>
               <a:ext uri="{FF2B5EF4-FFF2-40B4-BE49-F238E27FC236}">
-                <a16:creationId xmlns:a16="http://schemas.microsoft.com/office/drawing/2014/main" id="{88E98E05-8FFB-EB42-9121-DD91BA564333}"/>
+                <a16:creationId xmlns:a16="http://schemas.microsoft.com/office/drawing/2014/main" xmlns="" id="{88E98E05-8FFB-EB42-9121-DD91BA564333}"/>
               </a:ext>
             </a:extLst>
           </p:cNvPr>
@@ -1019,7 +1029,7 @@
           <p:cNvPr id="34818" name="Marcador de notas 2">
             <a:extLst>
               <a:ext uri="{FF2B5EF4-FFF2-40B4-BE49-F238E27FC236}">
-                <a16:creationId xmlns:a16="http://schemas.microsoft.com/office/drawing/2014/main" id="{55AB1F2A-96D9-5D4E-BB02-59C8DC05CBE4}"/>
+                <a16:creationId xmlns:a16="http://schemas.microsoft.com/office/drawing/2014/main" xmlns="" id="{55AB1F2A-96D9-5D4E-BB02-59C8DC05CBE4}"/>
               </a:ext>
             </a:extLst>
           </p:cNvPr>
@@ -1074,7 +1084,7 @@
           <p:cNvPr id="34819" name="Marcador de número de diapositiva 3">
             <a:extLst>
               <a:ext uri="{FF2B5EF4-FFF2-40B4-BE49-F238E27FC236}">
-                <a16:creationId xmlns:a16="http://schemas.microsoft.com/office/drawing/2014/main" id="{157EE0C8-B05F-AA41-A446-5E3DE14108EB}"/>
+                <a16:creationId xmlns:a16="http://schemas.microsoft.com/office/drawing/2014/main" xmlns="" id="{157EE0C8-B05F-AA41-A446-5E3DE14108EB}"/>
               </a:ext>
             </a:extLst>
           </p:cNvPr>
@@ -1222,6 +1232,11 @@
         </p:txBody>
       </p:sp>
     </p:spTree>
+    <p:extLst>
+      <p:ext uri="{BB962C8B-B14F-4D97-AF65-F5344CB8AC3E}">
+        <p14:creationId xmlns:p14="http://schemas.microsoft.com/office/powerpoint/2010/main" val="4196118811"/>
+      </p:ext>
+    </p:extLst>
   </p:cSld>
   <p:clrMapOvr>
     <a:masterClrMapping/>
@@ -1251,7 +1266,7 @@
           <p:cNvPr id="44033" name="Marcador de imagen de diapositiva 1">
             <a:extLst>
               <a:ext uri="{FF2B5EF4-FFF2-40B4-BE49-F238E27FC236}">
-                <a16:creationId xmlns:a16="http://schemas.microsoft.com/office/drawing/2014/main" id="{86670ED3-40F0-D548-8931-9BE9D2A47666}"/>
+                <a16:creationId xmlns:a16="http://schemas.microsoft.com/office/drawing/2014/main" xmlns="" id="{86670ED3-40F0-D548-8931-9BE9D2A47666}"/>
               </a:ext>
             </a:extLst>
           </p:cNvPr>
@@ -1288,7 +1303,7 @@
           <p:cNvPr id="3" name="Marcador de notas 2">
             <a:extLst>
               <a:ext uri="{FF2B5EF4-FFF2-40B4-BE49-F238E27FC236}">
-                <a16:creationId xmlns:a16="http://schemas.microsoft.com/office/drawing/2014/main" id="{CECC8C27-353A-D64F-AA1F-54FF743480B4}"/>
+                <a16:creationId xmlns:a16="http://schemas.microsoft.com/office/drawing/2014/main" xmlns="" id="{CECC8C27-353A-D64F-AA1F-54FF743480B4}"/>
               </a:ext>
             </a:extLst>
           </p:cNvPr>
@@ -1304,190 +1319,6 @@
           <a:bodyPr/>
           <a:lstStyle/>
           <a:p>
-            <a:pPr algn="just" fontAlgn="auto">
-              <a:lnSpc>
-                <a:spcPts val="1400"/>
-              </a:lnSpc>
-              <a:spcBef>
-                <a:spcPts val="70"/>
-              </a:spcBef>
-              <a:spcAft>
-                <a:spcPts val="0"/>
-              </a:spcAft>
-              <a:defRPr/>
-            </a:pPr>
-            <a:r>
-              <a:rPr lang="es-ES" dirty="0">
-                <a:solidFill>
-                  <a:srgbClr val="000009"/>
-                </a:solidFill>
-                <a:ea typeface="Calibri" panose="020F0502020204030204" pitchFamily="34" charset="0"/>
-                <a:cs typeface="Times New Roman" panose="02020603050405020304" pitchFamily="18" charset="0"/>
-              </a:rPr>
-              <a:t>Como inconvenientes o riesgos tenemos:</a:t>
-            </a:r>
-            <a:endParaRPr lang="es-ES" sz="1100" dirty="0">
-              <a:latin typeface="Times New Roman" panose="02020603050405020304" pitchFamily="18" charset="0"/>
-              <a:ea typeface="Calibri" panose="020F0502020204030204" pitchFamily="34" charset="0"/>
-              <a:cs typeface="Times New Roman" panose="02020603050405020304" pitchFamily="18" charset="0"/>
-            </a:endParaRPr>
-          </a:p>
-          <a:p>
-            <a:pPr marL="342900" indent="-342900" fontAlgn="auto">
-              <a:lnSpc>
-                <a:spcPts val="1400"/>
-              </a:lnSpc>
-              <a:spcBef>
-                <a:spcPts val="70"/>
-              </a:spcBef>
-              <a:spcAft>
-                <a:spcPts val="0"/>
-              </a:spcAft>
-              <a:buFont typeface="+mj-lt"/>
-              <a:buAutoNum type="arabicPeriod"/>
-              <a:defRPr/>
-            </a:pPr>
-            <a:r>
-              <a:rPr lang="es-ES" dirty="0">
-                <a:solidFill>
-                  <a:srgbClr val="000009"/>
-                </a:solidFill>
-                <a:ea typeface="Calibri" panose="020F0502020204030204" pitchFamily="34" charset="0"/>
-                <a:cs typeface="Times New Roman" panose="02020603050405020304" pitchFamily="18" charset="0"/>
-              </a:rPr>
-              <a:t>Es una aplicación ejecutada en local, debiéndose instalar para cada usuario.</a:t>
-            </a:r>
-            <a:endParaRPr lang="es-ES" sz="1100" dirty="0">
-              <a:latin typeface="Times New Roman" panose="02020603050405020304" pitchFamily="18" charset="0"/>
-              <a:ea typeface="Calibri" panose="020F0502020204030204" pitchFamily="34" charset="0"/>
-              <a:cs typeface="Times New Roman" panose="02020603050405020304" pitchFamily="18" charset="0"/>
-            </a:endParaRPr>
-          </a:p>
-          <a:p>
-            <a:pPr marL="342900" indent="-342900" fontAlgn="auto">
-              <a:lnSpc>
-                <a:spcPts val="1400"/>
-              </a:lnSpc>
-              <a:spcBef>
-                <a:spcPts val="70"/>
-              </a:spcBef>
-              <a:spcAft>
-                <a:spcPts val="0"/>
-              </a:spcAft>
-              <a:buFont typeface="+mj-lt"/>
-              <a:buAutoNum type="arabicPeriod"/>
-              <a:defRPr/>
-            </a:pPr>
-            <a:r>
-              <a:rPr lang="es-ES" dirty="0">
-                <a:solidFill>
-                  <a:srgbClr val="000009"/>
-                </a:solidFill>
-                <a:ea typeface="Calibri" panose="020F0502020204030204" pitchFamily="34" charset="0"/>
-                <a:cs typeface="Times New Roman" panose="02020603050405020304" pitchFamily="18" charset="0"/>
-              </a:rPr>
-              <a:t>No implementa gestión de usuarios.</a:t>
-            </a:r>
-            <a:endParaRPr lang="es-ES" sz="1100" dirty="0">
-              <a:latin typeface="Times New Roman" panose="02020603050405020304" pitchFamily="18" charset="0"/>
-              <a:ea typeface="Calibri" panose="020F0502020204030204" pitchFamily="34" charset="0"/>
-              <a:cs typeface="Times New Roman" panose="02020603050405020304" pitchFamily="18" charset="0"/>
-            </a:endParaRPr>
-          </a:p>
-          <a:p>
-            <a:pPr marL="342900" indent="-342900" fontAlgn="auto">
-              <a:lnSpc>
-                <a:spcPts val="1400"/>
-              </a:lnSpc>
-              <a:spcBef>
-                <a:spcPts val="70"/>
-              </a:spcBef>
-              <a:spcAft>
-                <a:spcPts val="0"/>
-              </a:spcAft>
-              <a:buFont typeface="+mj-lt"/>
-              <a:buAutoNum type="arabicPeriod"/>
-              <a:defRPr/>
-            </a:pPr>
-            <a:r>
-              <a:rPr lang="es-ES" dirty="0">
-                <a:solidFill>
-                  <a:srgbClr val="000009"/>
-                </a:solidFill>
-                <a:ea typeface="Calibri" panose="020F0502020204030204" pitchFamily="34" charset="0"/>
-                <a:cs typeface="Times New Roman" panose="02020603050405020304" pitchFamily="18" charset="0"/>
-              </a:rPr>
-              <a:t>Hay que solicitar inclusión en la ATU.</a:t>
-            </a:r>
-            <a:endParaRPr lang="es-ES" sz="1100" dirty="0">
-              <a:latin typeface="Times New Roman" panose="02020603050405020304" pitchFamily="18" charset="0"/>
-              <a:ea typeface="Calibri" panose="020F0502020204030204" pitchFamily="34" charset="0"/>
-              <a:cs typeface="Times New Roman" panose="02020603050405020304" pitchFamily="18" charset="0"/>
-            </a:endParaRPr>
-          </a:p>
-          <a:p>
-            <a:pPr marL="342900" indent="-342900" fontAlgn="auto">
-              <a:lnSpc>
-                <a:spcPts val="1400"/>
-              </a:lnSpc>
-              <a:spcBef>
-                <a:spcPts val="70"/>
-              </a:spcBef>
-              <a:spcAft>
-                <a:spcPts val="0"/>
-              </a:spcAft>
-              <a:buFont typeface="+mj-lt"/>
-              <a:buAutoNum type="arabicPeriod"/>
-              <a:defRPr/>
-            </a:pPr>
-            <a:r>
-              <a:rPr lang="es-ES" dirty="0">
-                <a:solidFill>
-                  <a:srgbClr val="000009"/>
-                </a:solidFill>
-                <a:ea typeface="Calibri" panose="020F0502020204030204" pitchFamily="34" charset="0"/>
-                <a:cs typeface="Times New Roman" panose="02020603050405020304" pitchFamily="18" charset="0"/>
-              </a:rPr>
-              <a:t>Necesita un servidor WEB (si se quiere tener cartografía propia) involucrando la participación de un administrador (a aprobar por CESTIC).</a:t>
-            </a:r>
-            <a:endParaRPr lang="es-ES" sz="1100" dirty="0">
-              <a:latin typeface="Times New Roman" panose="02020603050405020304" pitchFamily="18" charset="0"/>
-              <a:ea typeface="Calibri" panose="020F0502020204030204" pitchFamily="34" charset="0"/>
-              <a:cs typeface="Times New Roman" panose="02020603050405020304" pitchFamily="18" charset="0"/>
-            </a:endParaRPr>
-          </a:p>
-          <a:p>
-            <a:pPr marL="342900" indent="-342900" fontAlgn="auto">
-              <a:lnSpc>
-                <a:spcPts val="1400"/>
-              </a:lnSpc>
-              <a:spcBef>
-                <a:spcPts val="70"/>
-              </a:spcBef>
-              <a:spcAft>
-                <a:spcPts val="0"/>
-              </a:spcAft>
-              <a:buFont typeface="+mj-lt"/>
-              <a:buAutoNum type="arabicPeriod"/>
-              <a:defRPr/>
-            </a:pPr>
-            <a:r>
-              <a:rPr lang="es-ES" dirty="0">
-                <a:solidFill>
-                  <a:srgbClr val="000009"/>
-                </a:solidFill>
-                <a:ea typeface="Calibri" panose="020F0502020204030204" pitchFamily="34" charset="0"/>
-                <a:cs typeface="Times New Roman" panose="02020603050405020304" pitchFamily="18" charset="0"/>
-              </a:rPr>
-              <a:t>El manejo de la aplicación es algo complicado, necesitando ciertos conocimientos cartográficos</a:t>
-            </a:r>
-            <a:endParaRPr lang="es-ES" sz="1100" dirty="0">
-              <a:latin typeface="Times New Roman" panose="02020603050405020304" pitchFamily="18" charset="0"/>
-              <a:ea typeface="Calibri" panose="020F0502020204030204" pitchFamily="34" charset="0"/>
-              <a:cs typeface="Times New Roman" panose="02020603050405020304" pitchFamily="18" charset="0"/>
-            </a:endParaRPr>
-          </a:p>
-          <a:p>
             <a:pPr fontAlgn="auto">
               <a:spcBef>
                 <a:spcPts val="0"/>
@@ -1506,7 +1337,7 @@
           <p:cNvPr id="44035" name="Marcador de número de diapositiva 3">
             <a:extLst>
               <a:ext uri="{FF2B5EF4-FFF2-40B4-BE49-F238E27FC236}">
-                <a16:creationId xmlns:a16="http://schemas.microsoft.com/office/drawing/2014/main" id="{5678139A-1406-2C4E-83B0-69505E87C57B}"/>
+                <a16:creationId xmlns:a16="http://schemas.microsoft.com/office/drawing/2014/main" xmlns="" id="{5678139A-1406-2C4E-83B0-69505E87C57B}"/>
               </a:ext>
             </a:extLst>
           </p:cNvPr>
@@ -1654,6 +1485,11 @@
         </p:txBody>
       </p:sp>
     </p:spTree>
+    <p:extLst>
+      <p:ext uri="{BB962C8B-B14F-4D97-AF65-F5344CB8AC3E}">
+        <p14:creationId xmlns:p14="http://schemas.microsoft.com/office/powerpoint/2010/main" val="1518096261"/>
+      </p:ext>
+    </p:extLst>
   </p:cSld>
   <p:clrMapOvr>
     <a:masterClrMapping/>
@@ -1683,7 +1519,7 @@
           <p:cNvPr id="35841" name="Marcador de imagen de diapositiva 1">
             <a:extLst>
               <a:ext uri="{FF2B5EF4-FFF2-40B4-BE49-F238E27FC236}">
-                <a16:creationId xmlns:a16="http://schemas.microsoft.com/office/drawing/2014/main" id="{C8EDAFF8-CC65-F84F-9C8D-27AF320BFB34}"/>
+                <a16:creationId xmlns:a16="http://schemas.microsoft.com/office/drawing/2014/main" xmlns="" id="{C8EDAFF8-CC65-F84F-9C8D-27AF320BFB34}"/>
               </a:ext>
             </a:extLst>
           </p:cNvPr>
@@ -1720,7 +1556,7 @@
           <p:cNvPr id="35842" name="Marcador de notas 2">
             <a:extLst>
               <a:ext uri="{FF2B5EF4-FFF2-40B4-BE49-F238E27FC236}">
-                <a16:creationId xmlns:a16="http://schemas.microsoft.com/office/drawing/2014/main" id="{D4A9250B-34B7-8C4E-9725-65F5D7EE4646}"/>
+                <a16:creationId xmlns:a16="http://schemas.microsoft.com/office/drawing/2014/main" xmlns="" id="{D4A9250B-34B7-8C4E-9725-65F5D7EE4646}"/>
               </a:ext>
             </a:extLst>
           </p:cNvPr>
@@ -1890,7 +1726,7 @@
           <p:cNvPr id="35843" name="Marcador de número de diapositiva 3">
             <a:extLst>
               <a:ext uri="{FF2B5EF4-FFF2-40B4-BE49-F238E27FC236}">
-                <a16:creationId xmlns:a16="http://schemas.microsoft.com/office/drawing/2014/main" id="{4B1B621B-254D-A048-ABB1-DDFD4D84F43A}"/>
+                <a16:creationId xmlns:a16="http://schemas.microsoft.com/office/drawing/2014/main" xmlns="" id="{4B1B621B-254D-A048-ABB1-DDFD4D84F43A}"/>
               </a:ext>
             </a:extLst>
           </p:cNvPr>
@@ -2038,6 +1874,11 @@
         </p:txBody>
       </p:sp>
     </p:spTree>
+    <p:extLst>
+      <p:ext uri="{BB962C8B-B14F-4D97-AF65-F5344CB8AC3E}">
+        <p14:creationId xmlns:p14="http://schemas.microsoft.com/office/powerpoint/2010/main" val="1872275360"/>
+      </p:ext>
+    </p:extLst>
   </p:cSld>
   <p:clrMapOvr>
     <a:masterClrMapping/>
@@ -2067,7 +1908,7 @@
           <p:cNvPr id="36865" name="Marcador de imagen de diapositiva 1">
             <a:extLst>
               <a:ext uri="{FF2B5EF4-FFF2-40B4-BE49-F238E27FC236}">
-                <a16:creationId xmlns:a16="http://schemas.microsoft.com/office/drawing/2014/main" id="{C808347B-AC58-7643-9C32-D2EA42A78BD5}"/>
+                <a16:creationId xmlns:a16="http://schemas.microsoft.com/office/drawing/2014/main" xmlns="" id="{C808347B-AC58-7643-9C32-D2EA42A78BD5}"/>
               </a:ext>
             </a:extLst>
           </p:cNvPr>
@@ -2104,7 +1945,7 @@
           <p:cNvPr id="36866" name="Marcador de notas 2">
             <a:extLst>
               <a:ext uri="{FF2B5EF4-FFF2-40B4-BE49-F238E27FC236}">
-                <a16:creationId xmlns:a16="http://schemas.microsoft.com/office/drawing/2014/main" id="{F8972ACC-0852-A643-A7D5-5C72643CDE1B}"/>
+                <a16:creationId xmlns:a16="http://schemas.microsoft.com/office/drawing/2014/main" xmlns="" id="{F8972ACC-0852-A643-A7D5-5C72643CDE1B}"/>
               </a:ext>
             </a:extLst>
           </p:cNvPr>
@@ -2285,7 +2126,7 @@
           <p:cNvPr id="36867" name="Marcador de número de diapositiva 3">
             <a:extLst>
               <a:ext uri="{FF2B5EF4-FFF2-40B4-BE49-F238E27FC236}">
-                <a16:creationId xmlns:a16="http://schemas.microsoft.com/office/drawing/2014/main" id="{8E0CF711-CE46-3A4F-8B7F-0469467123D6}"/>
+                <a16:creationId xmlns:a16="http://schemas.microsoft.com/office/drawing/2014/main" xmlns="" id="{8E0CF711-CE46-3A4F-8B7F-0469467123D6}"/>
               </a:ext>
             </a:extLst>
           </p:cNvPr>
@@ -2433,6 +2274,11 @@
         </p:txBody>
       </p:sp>
     </p:spTree>
+    <p:extLst>
+      <p:ext uri="{BB962C8B-B14F-4D97-AF65-F5344CB8AC3E}">
+        <p14:creationId xmlns:p14="http://schemas.microsoft.com/office/powerpoint/2010/main" val="2212764157"/>
+      </p:ext>
+    </p:extLst>
   </p:cSld>
   <p:clrMapOvr>
     <a:masterClrMapping/>
@@ -2462,7 +2308,7 @@
           <p:cNvPr id="37889" name="Marcador de imagen de diapositiva 1">
             <a:extLst>
               <a:ext uri="{FF2B5EF4-FFF2-40B4-BE49-F238E27FC236}">
-                <a16:creationId xmlns:a16="http://schemas.microsoft.com/office/drawing/2014/main" id="{67E4CC19-2E20-8F4B-8E23-D19072F32390}"/>
+                <a16:creationId xmlns:a16="http://schemas.microsoft.com/office/drawing/2014/main" xmlns="" id="{67E4CC19-2E20-8F4B-8E23-D19072F32390}"/>
               </a:ext>
             </a:extLst>
           </p:cNvPr>
@@ -2499,7 +2345,7 @@
           <p:cNvPr id="37890" name="Marcador de notas 2">
             <a:extLst>
               <a:ext uri="{FF2B5EF4-FFF2-40B4-BE49-F238E27FC236}">
-                <a16:creationId xmlns:a16="http://schemas.microsoft.com/office/drawing/2014/main" id="{E2243BE4-3403-AE41-8D81-7CD845A2ADB5}"/>
+                <a16:creationId xmlns:a16="http://schemas.microsoft.com/office/drawing/2014/main" xmlns="" id="{E2243BE4-3403-AE41-8D81-7CD845A2ADB5}"/>
               </a:ext>
             </a:extLst>
           </p:cNvPr>
@@ -2653,7 +2499,7 @@
           <p:cNvPr id="37891" name="Marcador de número de diapositiva 3">
             <a:extLst>
               <a:ext uri="{FF2B5EF4-FFF2-40B4-BE49-F238E27FC236}">
-                <a16:creationId xmlns:a16="http://schemas.microsoft.com/office/drawing/2014/main" id="{B2395F65-D14F-B045-BDD3-0D3EA2976390}"/>
+                <a16:creationId xmlns:a16="http://schemas.microsoft.com/office/drawing/2014/main" xmlns="" id="{B2395F65-D14F-B045-BDD3-0D3EA2976390}"/>
               </a:ext>
             </a:extLst>
           </p:cNvPr>
@@ -2801,6 +2647,11 @@
         </p:txBody>
       </p:sp>
     </p:spTree>
+    <p:extLst>
+      <p:ext uri="{BB962C8B-B14F-4D97-AF65-F5344CB8AC3E}">
+        <p14:creationId xmlns:p14="http://schemas.microsoft.com/office/powerpoint/2010/main" val="2289150836"/>
+      </p:ext>
+    </p:extLst>
   </p:cSld>
   <p:clrMapOvr>
     <a:masterClrMapping/>
@@ -2830,7 +2681,7 @@
           <p:cNvPr id="38913" name="Marcador de imagen de diapositiva 1">
             <a:extLst>
               <a:ext uri="{FF2B5EF4-FFF2-40B4-BE49-F238E27FC236}">
-                <a16:creationId xmlns:a16="http://schemas.microsoft.com/office/drawing/2014/main" id="{99CCFC9E-C2AB-B54A-AD88-ACED0C6CDE89}"/>
+                <a16:creationId xmlns:a16="http://schemas.microsoft.com/office/drawing/2014/main" xmlns="" id="{99CCFC9E-C2AB-B54A-AD88-ACED0C6CDE89}"/>
               </a:ext>
             </a:extLst>
           </p:cNvPr>
@@ -2867,7 +2718,7 @@
           <p:cNvPr id="38914" name="Marcador de notas 2">
             <a:extLst>
               <a:ext uri="{FF2B5EF4-FFF2-40B4-BE49-F238E27FC236}">
-                <a16:creationId xmlns:a16="http://schemas.microsoft.com/office/drawing/2014/main" id="{500D6D41-7A30-C046-A5FB-4EAECEBD7D39}"/>
+                <a16:creationId xmlns:a16="http://schemas.microsoft.com/office/drawing/2014/main" xmlns="" id="{500D6D41-7A30-C046-A5FB-4EAECEBD7D39}"/>
               </a:ext>
             </a:extLst>
           </p:cNvPr>
@@ -2922,7 +2773,7 @@
           <p:cNvPr id="38915" name="Marcador de número de diapositiva 3">
             <a:extLst>
               <a:ext uri="{FF2B5EF4-FFF2-40B4-BE49-F238E27FC236}">
-                <a16:creationId xmlns:a16="http://schemas.microsoft.com/office/drawing/2014/main" id="{DD24372F-F8EF-AE43-BA59-398F2901FC1A}"/>
+                <a16:creationId xmlns:a16="http://schemas.microsoft.com/office/drawing/2014/main" xmlns="" id="{DD24372F-F8EF-AE43-BA59-398F2901FC1A}"/>
               </a:ext>
             </a:extLst>
           </p:cNvPr>
@@ -3070,6 +2921,11 @@
         </p:txBody>
       </p:sp>
     </p:spTree>
+    <p:extLst>
+      <p:ext uri="{BB962C8B-B14F-4D97-AF65-F5344CB8AC3E}">
+        <p14:creationId xmlns:p14="http://schemas.microsoft.com/office/powerpoint/2010/main" val="1871982568"/>
+      </p:ext>
+    </p:extLst>
   </p:cSld>
   <p:clrMapOvr>
     <a:masterClrMapping/>
@@ -3099,7 +2955,7 @@
           <p:cNvPr id="39937" name="Marcador de imagen de diapositiva 1">
             <a:extLst>
               <a:ext uri="{FF2B5EF4-FFF2-40B4-BE49-F238E27FC236}">
-                <a16:creationId xmlns:a16="http://schemas.microsoft.com/office/drawing/2014/main" id="{E385E738-0653-8745-B595-B95FC23E8732}"/>
+                <a16:creationId xmlns:a16="http://schemas.microsoft.com/office/drawing/2014/main" xmlns="" id="{E385E738-0653-8745-B595-B95FC23E8732}"/>
               </a:ext>
             </a:extLst>
           </p:cNvPr>
@@ -3136,7 +2992,7 @@
           <p:cNvPr id="3" name="Marcador de notas 2">
             <a:extLst>
               <a:ext uri="{FF2B5EF4-FFF2-40B4-BE49-F238E27FC236}">
-                <a16:creationId xmlns:a16="http://schemas.microsoft.com/office/drawing/2014/main" id="{9280BDED-AF94-6B46-8AB3-2D030BC5369E}"/>
+                <a16:creationId xmlns:a16="http://schemas.microsoft.com/office/drawing/2014/main" xmlns="" id="{9280BDED-AF94-6B46-8AB3-2D030BC5369E}"/>
               </a:ext>
             </a:extLst>
           </p:cNvPr>
@@ -3354,7 +3210,7 @@
           <p:cNvPr id="39939" name="Marcador de número de diapositiva 3">
             <a:extLst>
               <a:ext uri="{FF2B5EF4-FFF2-40B4-BE49-F238E27FC236}">
-                <a16:creationId xmlns:a16="http://schemas.microsoft.com/office/drawing/2014/main" id="{CB70EE49-B3DF-0441-AEDF-DF2BA0D03688}"/>
+                <a16:creationId xmlns:a16="http://schemas.microsoft.com/office/drawing/2014/main" xmlns="" id="{CB70EE49-B3DF-0441-AEDF-DF2BA0D03688}"/>
               </a:ext>
             </a:extLst>
           </p:cNvPr>
@@ -3502,6 +3358,11 @@
         </p:txBody>
       </p:sp>
     </p:spTree>
+    <p:extLst>
+      <p:ext uri="{BB962C8B-B14F-4D97-AF65-F5344CB8AC3E}">
+        <p14:creationId xmlns:p14="http://schemas.microsoft.com/office/powerpoint/2010/main" val="2102722653"/>
+      </p:ext>
+    </p:extLst>
   </p:cSld>
   <p:clrMapOvr>
     <a:masterClrMapping/>
@@ -3531,7 +3392,7 @@
           <p:cNvPr id="40961" name="Marcador de imagen de diapositiva 1">
             <a:extLst>
               <a:ext uri="{FF2B5EF4-FFF2-40B4-BE49-F238E27FC236}">
-                <a16:creationId xmlns:a16="http://schemas.microsoft.com/office/drawing/2014/main" id="{69801FC9-3362-834C-87A6-59C8107089AB}"/>
+                <a16:creationId xmlns:a16="http://schemas.microsoft.com/office/drawing/2014/main" xmlns="" id="{69801FC9-3362-834C-87A6-59C8107089AB}"/>
               </a:ext>
             </a:extLst>
           </p:cNvPr>
@@ -3568,7 +3429,7 @@
           <p:cNvPr id="3" name="Marcador de notas 2">
             <a:extLst>
               <a:ext uri="{FF2B5EF4-FFF2-40B4-BE49-F238E27FC236}">
-                <a16:creationId xmlns:a16="http://schemas.microsoft.com/office/drawing/2014/main" id="{67418272-63FA-C841-AA81-3FD5FC004EB9}"/>
+                <a16:creationId xmlns:a16="http://schemas.microsoft.com/office/drawing/2014/main" xmlns="" id="{67418272-63FA-C841-AA81-3FD5FC004EB9}"/>
               </a:ext>
             </a:extLst>
           </p:cNvPr>
@@ -3584,190 +3445,6 @@
           <a:bodyPr/>
           <a:lstStyle/>
           <a:p>
-            <a:pPr algn="just" fontAlgn="auto">
-              <a:lnSpc>
-                <a:spcPts val="1400"/>
-              </a:lnSpc>
-              <a:spcBef>
-                <a:spcPts val="70"/>
-              </a:spcBef>
-              <a:spcAft>
-                <a:spcPts val="0"/>
-              </a:spcAft>
-              <a:defRPr/>
-            </a:pPr>
-            <a:r>
-              <a:rPr lang="es-ES" dirty="0">
-                <a:solidFill>
-                  <a:srgbClr val="000009"/>
-                </a:solidFill>
-                <a:ea typeface="Calibri" panose="020F0502020204030204" pitchFamily="34" charset="0"/>
-                <a:cs typeface="Times New Roman" panose="02020603050405020304" pitchFamily="18" charset="0"/>
-              </a:rPr>
-              <a:t>Como inconvenientes o riesgos tenemos:</a:t>
-            </a:r>
-            <a:endParaRPr lang="es-ES" sz="1100" dirty="0">
-              <a:latin typeface="Times New Roman" panose="02020603050405020304" pitchFamily="18" charset="0"/>
-              <a:ea typeface="Calibri" panose="020F0502020204030204" pitchFamily="34" charset="0"/>
-              <a:cs typeface="Times New Roman" panose="02020603050405020304" pitchFamily="18" charset="0"/>
-            </a:endParaRPr>
-          </a:p>
-          <a:p>
-            <a:pPr marL="342900" indent="-342900" fontAlgn="auto">
-              <a:lnSpc>
-                <a:spcPts val="1400"/>
-              </a:lnSpc>
-              <a:spcBef>
-                <a:spcPts val="70"/>
-              </a:spcBef>
-              <a:spcAft>
-                <a:spcPts val="0"/>
-              </a:spcAft>
-              <a:buFont typeface="+mj-lt"/>
-              <a:buAutoNum type="arabicPeriod"/>
-              <a:defRPr/>
-            </a:pPr>
-            <a:r>
-              <a:rPr lang="es-ES" dirty="0">
-                <a:solidFill>
-                  <a:srgbClr val="000009"/>
-                </a:solidFill>
-                <a:ea typeface="Calibri" panose="020F0502020204030204" pitchFamily="34" charset="0"/>
-                <a:cs typeface="Times New Roman" panose="02020603050405020304" pitchFamily="18" charset="0"/>
-              </a:rPr>
-              <a:t>Es una aplicación ejecutada en local, debiéndose instalar para cada usuario.</a:t>
-            </a:r>
-            <a:endParaRPr lang="es-ES" sz="1100" dirty="0">
-              <a:latin typeface="Times New Roman" panose="02020603050405020304" pitchFamily="18" charset="0"/>
-              <a:ea typeface="Calibri" panose="020F0502020204030204" pitchFamily="34" charset="0"/>
-              <a:cs typeface="Times New Roman" panose="02020603050405020304" pitchFamily="18" charset="0"/>
-            </a:endParaRPr>
-          </a:p>
-          <a:p>
-            <a:pPr marL="342900" indent="-342900" fontAlgn="auto">
-              <a:lnSpc>
-                <a:spcPts val="1400"/>
-              </a:lnSpc>
-              <a:spcBef>
-                <a:spcPts val="70"/>
-              </a:spcBef>
-              <a:spcAft>
-                <a:spcPts val="0"/>
-              </a:spcAft>
-              <a:buFont typeface="+mj-lt"/>
-              <a:buAutoNum type="arabicPeriod"/>
-              <a:defRPr/>
-            </a:pPr>
-            <a:r>
-              <a:rPr lang="es-ES" dirty="0">
-                <a:solidFill>
-                  <a:srgbClr val="000009"/>
-                </a:solidFill>
-                <a:ea typeface="Calibri" panose="020F0502020204030204" pitchFamily="34" charset="0"/>
-                <a:cs typeface="Times New Roman" panose="02020603050405020304" pitchFamily="18" charset="0"/>
-              </a:rPr>
-              <a:t>No implementa gestión de usuarios.</a:t>
-            </a:r>
-            <a:endParaRPr lang="es-ES" sz="1100" dirty="0">
-              <a:latin typeface="Times New Roman" panose="02020603050405020304" pitchFamily="18" charset="0"/>
-              <a:ea typeface="Calibri" panose="020F0502020204030204" pitchFamily="34" charset="0"/>
-              <a:cs typeface="Times New Roman" panose="02020603050405020304" pitchFamily="18" charset="0"/>
-            </a:endParaRPr>
-          </a:p>
-          <a:p>
-            <a:pPr marL="342900" indent="-342900" fontAlgn="auto">
-              <a:lnSpc>
-                <a:spcPts val="1400"/>
-              </a:lnSpc>
-              <a:spcBef>
-                <a:spcPts val="70"/>
-              </a:spcBef>
-              <a:spcAft>
-                <a:spcPts val="0"/>
-              </a:spcAft>
-              <a:buFont typeface="+mj-lt"/>
-              <a:buAutoNum type="arabicPeriod"/>
-              <a:defRPr/>
-            </a:pPr>
-            <a:r>
-              <a:rPr lang="es-ES" dirty="0">
-                <a:solidFill>
-                  <a:srgbClr val="000009"/>
-                </a:solidFill>
-                <a:ea typeface="Calibri" panose="020F0502020204030204" pitchFamily="34" charset="0"/>
-                <a:cs typeface="Times New Roman" panose="02020603050405020304" pitchFamily="18" charset="0"/>
-              </a:rPr>
-              <a:t>Hay que solicitar inclusión en la ATU.</a:t>
-            </a:r>
-            <a:endParaRPr lang="es-ES" sz="1100" dirty="0">
-              <a:latin typeface="Times New Roman" panose="02020603050405020304" pitchFamily="18" charset="0"/>
-              <a:ea typeface="Calibri" panose="020F0502020204030204" pitchFamily="34" charset="0"/>
-              <a:cs typeface="Times New Roman" panose="02020603050405020304" pitchFamily="18" charset="0"/>
-            </a:endParaRPr>
-          </a:p>
-          <a:p>
-            <a:pPr marL="342900" indent="-342900" fontAlgn="auto">
-              <a:lnSpc>
-                <a:spcPts val="1400"/>
-              </a:lnSpc>
-              <a:spcBef>
-                <a:spcPts val="70"/>
-              </a:spcBef>
-              <a:spcAft>
-                <a:spcPts val="0"/>
-              </a:spcAft>
-              <a:buFont typeface="+mj-lt"/>
-              <a:buAutoNum type="arabicPeriod"/>
-              <a:defRPr/>
-            </a:pPr>
-            <a:r>
-              <a:rPr lang="es-ES" dirty="0">
-                <a:solidFill>
-                  <a:srgbClr val="000009"/>
-                </a:solidFill>
-                <a:ea typeface="Calibri" panose="020F0502020204030204" pitchFamily="34" charset="0"/>
-                <a:cs typeface="Times New Roman" panose="02020603050405020304" pitchFamily="18" charset="0"/>
-              </a:rPr>
-              <a:t>Necesita un servidor WEB (si se quiere tener cartografía propia) involucrando la participación de un administrador (a aprobar por CESTIC).</a:t>
-            </a:r>
-            <a:endParaRPr lang="es-ES" sz="1100" dirty="0">
-              <a:latin typeface="Times New Roman" panose="02020603050405020304" pitchFamily="18" charset="0"/>
-              <a:ea typeface="Calibri" panose="020F0502020204030204" pitchFamily="34" charset="0"/>
-              <a:cs typeface="Times New Roman" panose="02020603050405020304" pitchFamily="18" charset="0"/>
-            </a:endParaRPr>
-          </a:p>
-          <a:p>
-            <a:pPr marL="342900" indent="-342900" fontAlgn="auto">
-              <a:lnSpc>
-                <a:spcPts val="1400"/>
-              </a:lnSpc>
-              <a:spcBef>
-                <a:spcPts val="70"/>
-              </a:spcBef>
-              <a:spcAft>
-                <a:spcPts val="0"/>
-              </a:spcAft>
-              <a:buFont typeface="+mj-lt"/>
-              <a:buAutoNum type="arabicPeriod"/>
-              <a:defRPr/>
-            </a:pPr>
-            <a:r>
-              <a:rPr lang="es-ES" dirty="0">
-                <a:solidFill>
-                  <a:srgbClr val="000009"/>
-                </a:solidFill>
-                <a:ea typeface="Calibri" panose="020F0502020204030204" pitchFamily="34" charset="0"/>
-                <a:cs typeface="Times New Roman" panose="02020603050405020304" pitchFamily="18" charset="0"/>
-              </a:rPr>
-              <a:t>El manejo de la aplicación es algo complicado, necesitando ciertos conocimientos cartográficos</a:t>
-            </a:r>
-            <a:endParaRPr lang="es-ES" sz="1100" dirty="0">
-              <a:latin typeface="Times New Roman" panose="02020603050405020304" pitchFamily="18" charset="0"/>
-              <a:ea typeface="Calibri" panose="020F0502020204030204" pitchFamily="34" charset="0"/>
-              <a:cs typeface="Times New Roman" panose="02020603050405020304" pitchFamily="18" charset="0"/>
-            </a:endParaRPr>
-          </a:p>
-          <a:p>
             <a:pPr fontAlgn="auto">
               <a:spcBef>
                 <a:spcPts val="0"/>
@@ -3786,7 +3463,7 @@
           <p:cNvPr id="40963" name="Marcador de número de diapositiva 3">
             <a:extLst>
               <a:ext uri="{FF2B5EF4-FFF2-40B4-BE49-F238E27FC236}">
-                <a16:creationId xmlns:a16="http://schemas.microsoft.com/office/drawing/2014/main" id="{2F82B358-8869-9345-8AD8-8438247A7E8D}"/>
+                <a16:creationId xmlns:a16="http://schemas.microsoft.com/office/drawing/2014/main" xmlns="" id="{2F82B358-8869-9345-8AD8-8438247A7E8D}"/>
               </a:ext>
             </a:extLst>
           </p:cNvPr>
@@ -3934,6 +3611,11 @@
         </p:txBody>
       </p:sp>
     </p:spTree>
+    <p:extLst>
+      <p:ext uri="{BB962C8B-B14F-4D97-AF65-F5344CB8AC3E}">
+        <p14:creationId xmlns:p14="http://schemas.microsoft.com/office/powerpoint/2010/main" val="920813286"/>
+      </p:ext>
+    </p:extLst>
   </p:cSld>
   <p:clrMapOvr>
     <a:masterClrMapping/>
@@ -3963,7 +3645,7 @@
           <p:cNvPr id="41985" name="Marcador de imagen de diapositiva 1">
             <a:extLst>
               <a:ext uri="{FF2B5EF4-FFF2-40B4-BE49-F238E27FC236}">
-                <a16:creationId xmlns:a16="http://schemas.microsoft.com/office/drawing/2014/main" id="{BB038AED-26D8-7F45-B182-11BF3E820F03}"/>
+                <a16:creationId xmlns:a16="http://schemas.microsoft.com/office/drawing/2014/main" xmlns="" id="{BB038AED-26D8-7F45-B182-11BF3E820F03}"/>
               </a:ext>
             </a:extLst>
           </p:cNvPr>
@@ -4000,7 +3682,7 @@
           <p:cNvPr id="3" name="Marcador de notas 2">
             <a:extLst>
               <a:ext uri="{FF2B5EF4-FFF2-40B4-BE49-F238E27FC236}">
-                <a16:creationId xmlns:a16="http://schemas.microsoft.com/office/drawing/2014/main" id="{F59268B4-A32A-2341-B481-158A0BDB8520}"/>
+                <a16:creationId xmlns:a16="http://schemas.microsoft.com/office/drawing/2014/main" xmlns="" id="{F59268B4-A32A-2341-B481-158A0BDB8520}"/>
               </a:ext>
             </a:extLst>
           </p:cNvPr>
@@ -4016,190 +3698,6 @@
           <a:bodyPr/>
           <a:lstStyle/>
           <a:p>
-            <a:pPr algn="just" fontAlgn="auto">
-              <a:lnSpc>
-                <a:spcPts val="1400"/>
-              </a:lnSpc>
-              <a:spcBef>
-                <a:spcPts val="70"/>
-              </a:spcBef>
-              <a:spcAft>
-                <a:spcPts val="0"/>
-              </a:spcAft>
-              <a:defRPr/>
-            </a:pPr>
-            <a:r>
-              <a:rPr lang="es-ES" dirty="0">
-                <a:solidFill>
-                  <a:srgbClr val="000009"/>
-                </a:solidFill>
-                <a:ea typeface="Calibri" panose="020F0502020204030204" pitchFamily="34" charset="0"/>
-                <a:cs typeface="Times New Roman" panose="02020603050405020304" pitchFamily="18" charset="0"/>
-              </a:rPr>
-              <a:t>Como inconvenientes o riesgos tenemos:</a:t>
-            </a:r>
-            <a:endParaRPr lang="es-ES" sz="1100" dirty="0">
-              <a:latin typeface="Times New Roman" panose="02020603050405020304" pitchFamily="18" charset="0"/>
-              <a:ea typeface="Calibri" panose="020F0502020204030204" pitchFamily="34" charset="0"/>
-              <a:cs typeface="Times New Roman" panose="02020603050405020304" pitchFamily="18" charset="0"/>
-            </a:endParaRPr>
-          </a:p>
-          <a:p>
-            <a:pPr marL="342900" indent="-342900" fontAlgn="auto">
-              <a:lnSpc>
-                <a:spcPts val="1400"/>
-              </a:lnSpc>
-              <a:spcBef>
-                <a:spcPts val="70"/>
-              </a:spcBef>
-              <a:spcAft>
-                <a:spcPts val="0"/>
-              </a:spcAft>
-              <a:buFont typeface="+mj-lt"/>
-              <a:buAutoNum type="arabicPeriod"/>
-              <a:defRPr/>
-            </a:pPr>
-            <a:r>
-              <a:rPr lang="es-ES" dirty="0">
-                <a:solidFill>
-                  <a:srgbClr val="000009"/>
-                </a:solidFill>
-                <a:ea typeface="Calibri" panose="020F0502020204030204" pitchFamily="34" charset="0"/>
-                <a:cs typeface="Times New Roman" panose="02020603050405020304" pitchFamily="18" charset="0"/>
-              </a:rPr>
-              <a:t>Es una aplicación ejecutada en local, debiéndose instalar para cada usuario.</a:t>
-            </a:r>
-            <a:endParaRPr lang="es-ES" sz="1100" dirty="0">
-              <a:latin typeface="Times New Roman" panose="02020603050405020304" pitchFamily="18" charset="0"/>
-              <a:ea typeface="Calibri" panose="020F0502020204030204" pitchFamily="34" charset="0"/>
-              <a:cs typeface="Times New Roman" panose="02020603050405020304" pitchFamily="18" charset="0"/>
-            </a:endParaRPr>
-          </a:p>
-          <a:p>
-            <a:pPr marL="342900" indent="-342900" fontAlgn="auto">
-              <a:lnSpc>
-                <a:spcPts val="1400"/>
-              </a:lnSpc>
-              <a:spcBef>
-                <a:spcPts val="70"/>
-              </a:spcBef>
-              <a:spcAft>
-                <a:spcPts val="0"/>
-              </a:spcAft>
-              <a:buFont typeface="+mj-lt"/>
-              <a:buAutoNum type="arabicPeriod"/>
-              <a:defRPr/>
-            </a:pPr>
-            <a:r>
-              <a:rPr lang="es-ES" dirty="0">
-                <a:solidFill>
-                  <a:srgbClr val="000009"/>
-                </a:solidFill>
-                <a:ea typeface="Calibri" panose="020F0502020204030204" pitchFamily="34" charset="0"/>
-                <a:cs typeface="Times New Roman" panose="02020603050405020304" pitchFamily="18" charset="0"/>
-              </a:rPr>
-              <a:t>No implementa gestión de usuarios.</a:t>
-            </a:r>
-            <a:endParaRPr lang="es-ES" sz="1100" dirty="0">
-              <a:latin typeface="Times New Roman" panose="02020603050405020304" pitchFamily="18" charset="0"/>
-              <a:ea typeface="Calibri" panose="020F0502020204030204" pitchFamily="34" charset="0"/>
-              <a:cs typeface="Times New Roman" panose="02020603050405020304" pitchFamily="18" charset="0"/>
-            </a:endParaRPr>
-          </a:p>
-          <a:p>
-            <a:pPr marL="342900" indent="-342900" fontAlgn="auto">
-              <a:lnSpc>
-                <a:spcPts val="1400"/>
-              </a:lnSpc>
-              <a:spcBef>
-                <a:spcPts val="70"/>
-              </a:spcBef>
-              <a:spcAft>
-                <a:spcPts val="0"/>
-              </a:spcAft>
-              <a:buFont typeface="+mj-lt"/>
-              <a:buAutoNum type="arabicPeriod"/>
-              <a:defRPr/>
-            </a:pPr>
-            <a:r>
-              <a:rPr lang="es-ES" dirty="0">
-                <a:solidFill>
-                  <a:srgbClr val="000009"/>
-                </a:solidFill>
-                <a:ea typeface="Calibri" panose="020F0502020204030204" pitchFamily="34" charset="0"/>
-                <a:cs typeface="Times New Roman" panose="02020603050405020304" pitchFamily="18" charset="0"/>
-              </a:rPr>
-              <a:t>Hay que solicitar inclusión en la ATU.</a:t>
-            </a:r>
-            <a:endParaRPr lang="es-ES" sz="1100" dirty="0">
-              <a:latin typeface="Times New Roman" panose="02020603050405020304" pitchFamily="18" charset="0"/>
-              <a:ea typeface="Calibri" panose="020F0502020204030204" pitchFamily="34" charset="0"/>
-              <a:cs typeface="Times New Roman" panose="02020603050405020304" pitchFamily="18" charset="0"/>
-            </a:endParaRPr>
-          </a:p>
-          <a:p>
-            <a:pPr marL="342900" indent="-342900" fontAlgn="auto">
-              <a:lnSpc>
-                <a:spcPts val="1400"/>
-              </a:lnSpc>
-              <a:spcBef>
-                <a:spcPts val="70"/>
-              </a:spcBef>
-              <a:spcAft>
-                <a:spcPts val="0"/>
-              </a:spcAft>
-              <a:buFont typeface="+mj-lt"/>
-              <a:buAutoNum type="arabicPeriod"/>
-              <a:defRPr/>
-            </a:pPr>
-            <a:r>
-              <a:rPr lang="es-ES" dirty="0">
-                <a:solidFill>
-                  <a:srgbClr val="000009"/>
-                </a:solidFill>
-                <a:ea typeface="Calibri" panose="020F0502020204030204" pitchFamily="34" charset="0"/>
-                <a:cs typeface="Times New Roman" panose="02020603050405020304" pitchFamily="18" charset="0"/>
-              </a:rPr>
-              <a:t>Necesita un servidor WEB (si se quiere tener cartografía propia) involucrando la participación de un administrador (a aprobar por CESTIC).</a:t>
-            </a:r>
-            <a:endParaRPr lang="es-ES" sz="1100" dirty="0">
-              <a:latin typeface="Times New Roman" panose="02020603050405020304" pitchFamily="18" charset="0"/>
-              <a:ea typeface="Calibri" panose="020F0502020204030204" pitchFamily="34" charset="0"/>
-              <a:cs typeface="Times New Roman" panose="02020603050405020304" pitchFamily="18" charset="0"/>
-            </a:endParaRPr>
-          </a:p>
-          <a:p>
-            <a:pPr marL="342900" indent="-342900" fontAlgn="auto">
-              <a:lnSpc>
-                <a:spcPts val="1400"/>
-              </a:lnSpc>
-              <a:spcBef>
-                <a:spcPts val="70"/>
-              </a:spcBef>
-              <a:spcAft>
-                <a:spcPts val="0"/>
-              </a:spcAft>
-              <a:buFont typeface="+mj-lt"/>
-              <a:buAutoNum type="arabicPeriod"/>
-              <a:defRPr/>
-            </a:pPr>
-            <a:r>
-              <a:rPr lang="es-ES" dirty="0">
-                <a:solidFill>
-                  <a:srgbClr val="000009"/>
-                </a:solidFill>
-                <a:ea typeface="Calibri" panose="020F0502020204030204" pitchFamily="34" charset="0"/>
-                <a:cs typeface="Times New Roman" panose="02020603050405020304" pitchFamily="18" charset="0"/>
-              </a:rPr>
-              <a:t>El manejo de la aplicación es algo complicado, necesitando ciertos conocimientos cartográficos</a:t>
-            </a:r>
-            <a:endParaRPr lang="es-ES" sz="1100" dirty="0">
-              <a:latin typeface="Times New Roman" panose="02020603050405020304" pitchFamily="18" charset="0"/>
-              <a:ea typeface="Calibri" panose="020F0502020204030204" pitchFamily="34" charset="0"/>
-              <a:cs typeface="Times New Roman" panose="02020603050405020304" pitchFamily="18" charset="0"/>
-            </a:endParaRPr>
-          </a:p>
-          <a:p>
             <a:pPr fontAlgn="auto">
               <a:spcBef>
                 <a:spcPts val="0"/>
@@ -4218,7 +3716,7 @@
           <p:cNvPr id="41987" name="Marcador de número de diapositiva 3">
             <a:extLst>
               <a:ext uri="{FF2B5EF4-FFF2-40B4-BE49-F238E27FC236}">
-                <a16:creationId xmlns:a16="http://schemas.microsoft.com/office/drawing/2014/main" id="{B2C66F1B-F5DE-AD4F-9708-E92A671BD2D9}"/>
+                <a16:creationId xmlns:a16="http://schemas.microsoft.com/office/drawing/2014/main" xmlns="" id="{B2C66F1B-F5DE-AD4F-9708-E92A671BD2D9}"/>
               </a:ext>
             </a:extLst>
           </p:cNvPr>
@@ -4366,6 +3864,11 @@
         </p:txBody>
       </p:sp>
     </p:spTree>
+    <p:extLst>
+      <p:ext uri="{BB962C8B-B14F-4D97-AF65-F5344CB8AC3E}">
+        <p14:creationId xmlns:p14="http://schemas.microsoft.com/office/powerpoint/2010/main" val="2398006460"/>
+      </p:ext>
+    </p:extLst>
   </p:cSld>
   <p:clrMapOvr>
     <a:masterClrMapping/>
@@ -4395,7 +3898,7 @@
           <p:cNvPr id="43009" name="Marcador de imagen de diapositiva 1">
             <a:extLst>
               <a:ext uri="{FF2B5EF4-FFF2-40B4-BE49-F238E27FC236}">
-                <a16:creationId xmlns:a16="http://schemas.microsoft.com/office/drawing/2014/main" id="{100C0A94-B24D-EC49-A3BB-B4C82557D8C5}"/>
+                <a16:creationId xmlns:a16="http://schemas.microsoft.com/office/drawing/2014/main" xmlns="" id="{100C0A94-B24D-EC49-A3BB-B4C82557D8C5}"/>
               </a:ext>
             </a:extLst>
           </p:cNvPr>
@@ -4432,7 +3935,7 @@
           <p:cNvPr id="3" name="Marcador de notas 2">
             <a:extLst>
               <a:ext uri="{FF2B5EF4-FFF2-40B4-BE49-F238E27FC236}">
-                <a16:creationId xmlns:a16="http://schemas.microsoft.com/office/drawing/2014/main" id="{DEA7B2DE-9065-7E44-9EC1-AD724DC72878}"/>
+                <a16:creationId xmlns:a16="http://schemas.microsoft.com/office/drawing/2014/main" xmlns="" id="{DEA7B2DE-9065-7E44-9EC1-AD724DC72878}"/>
               </a:ext>
             </a:extLst>
           </p:cNvPr>
@@ -4448,190 +3951,6 @@
           <a:bodyPr/>
           <a:lstStyle/>
           <a:p>
-            <a:pPr algn="just" fontAlgn="auto">
-              <a:lnSpc>
-                <a:spcPts val="1400"/>
-              </a:lnSpc>
-              <a:spcBef>
-                <a:spcPts val="70"/>
-              </a:spcBef>
-              <a:spcAft>
-                <a:spcPts val="0"/>
-              </a:spcAft>
-              <a:defRPr/>
-            </a:pPr>
-            <a:r>
-              <a:rPr lang="es-ES" dirty="0">
-                <a:solidFill>
-                  <a:srgbClr val="000009"/>
-                </a:solidFill>
-                <a:ea typeface="Calibri" panose="020F0502020204030204" pitchFamily="34" charset="0"/>
-                <a:cs typeface="Times New Roman" panose="02020603050405020304" pitchFamily="18" charset="0"/>
-              </a:rPr>
-              <a:t>Como inconvenientes o riesgos tenemos:</a:t>
-            </a:r>
-            <a:endParaRPr lang="es-ES" sz="1100" dirty="0">
-              <a:latin typeface="Times New Roman" panose="02020603050405020304" pitchFamily="18" charset="0"/>
-              <a:ea typeface="Calibri" panose="020F0502020204030204" pitchFamily="34" charset="0"/>
-              <a:cs typeface="Times New Roman" panose="02020603050405020304" pitchFamily="18" charset="0"/>
-            </a:endParaRPr>
-          </a:p>
-          <a:p>
-            <a:pPr marL="342900" indent="-342900" fontAlgn="auto">
-              <a:lnSpc>
-                <a:spcPts val="1400"/>
-              </a:lnSpc>
-              <a:spcBef>
-                <a:spcPts val="70"/>
-              </a:spcBef>
-              <a:spcAft>
-                <a:spcPts val="0"/>
-              </a:spcAft>
-              <a:buFont typeface="+mj-lt"/>
-              <a:buAutoNum type="arabicPeriod"/>
-              <a:defRPr/>
-            </a:pPr>
-            <a:r>
-              <a:rPr lang="es-ES" dirty="0">
-                <a:solidFill>
-                  <a:srgbClr val="000009"/>
-                </a:solidFill>
-                <a:ea typeface="Calibri" panose="020F0502020204030204" pitchFamily="34" charset="0"/>
-                <a:cs typeface="Times New Roman" panose="02020603050405020304" pitchFamily="18" charset="0"/>
-              </a:rPr>
-              <a:t>Es una aplicación ejecutada en local, debiéndose instalar para cada usuario.</a:t>
-            </a:r>
-            <a:endParaRPr lang="es-ES" sz="1100" dirty="0">
-              <a:latin typeface="Times New Roman" panose="02020603050405020304" pitchFamily="18" charset="0"/>
-              <a:ea typeface="Calibri" panose="020F0502020204030204" pitchFamily="34" charset="0"/>
-              <a:cs typeface="Times New Roman" panose="02020603050405020304" pitchFamily="18" charset="0"/>
-            </a:endParaRPr>
-          </a:p>
-          <a:p>
-            <a:pPr marL="342900" indent="-342900" fontAlgn="auto">
-              <a:lnSpc>
-                <a:spcPts val="1400"/>
-              </a:lnSpc>
-              <a:spcBef>
-                <a:spcPts val="70"/>
-              </a:spcBef>
-              <a:spcAft>
-                <a:spcPts val="0"/>
-              </a:spcAft>
-              <a:buFont typeface="+mj-lt"/>
-              <a:buAutoNum type="arabicPeriod"/>
-              <a:defRPr/>
-            </a:pPr>
-            <a:r>
-              <a:rPr lang="es-ES" dirty="0">
-                <a:solidFill>
-                  <a:srgbClr val="000009"/>
-                </a:solidFill>
-                <a:ea typeface="Calibri" panose="020F0502020204030204" pitchFamily="34" charset="0"/>
-                <a:cs typeface="Times New Roman" panose="02020603050405020304" pitchFamily="18" charset="0"/>
-              </a:rPr>
-              <a:t>No implementa gestión de usuarios.</a:t>
-            </a:r>
-            <a:endParaRPr lang="es-ES" sz="1100" dirty="0">
-              <a:latin typeface="Times New Roman" panose="02020603050405020304" pitchFamily="18" charset="0"/>
-              <a:ea typeface="Calibri" panose="020F0502020204030204" pitchFamily="34" charset="0"/>
-              <a:cs typeface="Times New Roman" panose="02020603050405020304" pitchFamily="18" charset="0"/>
-            </a:endParaRPr>
-          </a:p>
-          <a:p>
-            <a:pPr marL="342900" indent="-342900" fontAlgn="auto">
-              <a:lnSpc>
-                <a:spcPts val="1400"/>
-              </a:lnSpc>
-              <a:spcBef>
-                <a:spcPts val="70"/>
-              </a:spcBef>
-              <a:spcAft>
-                <a:spcPts val="0"/>
-              </a:spcAft>
-              <a:buFont typeface="+mj-lt"/>
-              <a:buAutoNum type="arabicPeriod"/>
-              <a:defRPr/>
-            </a:pPr>
-            <a:r>
-              <a:rPr lang="es-ES" dirty="0">
-                <a:solidFill>
-                  <a:srgbClr val="000009"/>
-                </a:solidFill>
-                <a:ea typeface="Calibri" panose="020F0502020204030204" pitchFamily="34" charset="0"/>
-                <a:cs typeface="Times New Roman" panose="02020603050405020304" pitchFamily="18" charset="0"/>
-              </a:rPr>
-              <a:t>Hay que solicitar inclusión en la ATU.</a:t>
-            </a:r>
-            <a:endParaRPr lang="es-ES" sz="1100" dirty="0">
-              <a:latin typeface="Times New Roman" panose="02020603050405020304" pitchFamily="18" charset="0"/>
-              <a:ea typeface="Calibri" panose="020F0502020204030204" pitchFamily="34" charset="0"/>
-              <a:cs typeface="Times New Roman" panose="02020603050405020304" pitchFamily="18" charset="0"/>
-            </a:endParaRPr>
-          </a:p>
-          <a:p>
-            <a:pPr marL="342900" indent="-342900" fontAlgn="auto">
-              <a:lnSpc>
-                <a:spcPts val="1400"/>
-              </a:lnSpc>
-              <a:spcBef>
-                <a:spcPts val="70"/>
-              </a:spcBef>
-              <a:spcAft>
-                <a:spcPts val="0"/>
-              </a:spcAft>
-              <a:buFont typeface="+mj-lt"/>
-              <a:buAutoNum type="arabicPeriod"/>
-              <a:defRPr/>
-            </a:pPr>
-            <a:r>
-              <a:rPr lang="es-ES" dirty="0">
-                <a:solidFill>
-                  <a:srgbClr val="000009"/>
-                </a:solidFill>
-                <a:ea typeface="Calibri" panose="020F0502020204030204" pitchFamily="34" charset="0"/>
-                <a:cs typeface="Times New Roman" panose="02020603050405020304" pitchFamily="18" charset="0"/>
-              </a:rPr>
-              <a:t>Necesita un servidor WEB (si se quiere tener cartografía propia) involucrando la participación de un administrador (a aprobar por CESTIC).</a:t>
-            </a:r>
-            <a:endParaRPr lang="es-ES" sz="1100" dirty="0">
-              <a:latin typeface="Times New Roman" panose="02020603050405020304" pitchFamily="18" charset="0"/>
-              <a:ea typeface="Calibri" panose="020F0502020204030204" pitchFamily="34" charset="0"/>
-              <a:cs typeface="Times New Roman" panose="02020603050405020304" pitchFamily="18" charset="0"/>
-            </a:endParaRPr>
-          </a:p>
-          <a:p>
-            <a:pPr marL="342900" indent="-342900" fontAlgn="auto">
-              <a:lnSpc>
-                <a:spcPts val="1400"/>
-              </a:lnSpc>
-              <a:spcBef>
-                <a:spcPts val="70"/>
-              </a:spcBef>
-              <a:spcAft>
-                <a:spcPts val="0"/>
-              </a:spcAft>
-              <a:buFont typeface="+mj-lt"/>
-              <a:buAutoNum type="arabicPeriod"/>
-              <a:defRPr/>
-            </a:pPr>
-            <a:r>
-              <a:rPr lang="es-ES" dirty="0">
-                <a:solidFill>
-                  <a:srgbClr val="000009"/>
-                </a:solidFill>
-                <a:ea typeface="Calibri" panose="020F0502020204030204" pitchFamily="34" charset="0"/>
-                <a:cs typeface="Times New Roman" panose="02020603050405020304" pitchFamily="18" charset="0"/>
-              </a:rPr>
-              <a:t>El manejo de la aplicación es algo complicado, necesitando ciertos conocimientos cartográficos</a:t>
-            </a:r>
-            <a:endParaRPr lang="es-ES" sz="1100" dirty="0">
-              <a:latin typeface="Times New Roman" panose="02020603050405020304" pitchFamily="18" charset="0"/>
-              <a:ea typeface="Calibri" panose="020F0502020204030204" pitchFamily="34" charset="0"/>
-              <a:cs typeface="Times New Roman" panose="02020603050405020304" pitchFamily="18" charset="0"/>
-            </a:endParaRPr>
-          </a:p>
-          <a:p>
             <a:pPr fontAlgn="auto">
               <a:spcBef>
                 <a:spcPts val="0"/>
@@ -4650,7 +3969,7 @@
           <p:cNvPr id="43011" name="Marcador de número de diapositiva 3">
             <a:extLst>
               <a:ext uri="{FF2B5EF4-FFF2-40B4-BE49-F238E27FC236}">
-                <a16:creationId xmlns:a16="http://schemas.microsoft.com/office/drawing/2014/main" id="{891FC719-D7BD-B841-8493-CC4002CEC666}"/>
+                <a16:creationId xmlns:a16="http://schemas.microsoft.com/office/drawing/2014/main" xmlns="" id="{891FC719-D7BD-B841-8493-CC4002CEC666}"/>
               </a:ext>
             </a:extLst>
           </p:cNvPr>
@@ -4798,6 +4117,11 @@
         </p:txBody>
       </p:sp>
     </p:spTree>
+    <p:extLst>
+      <p:ext uri="{BB962C8B-B14F-4D97-AF65-F5344CB8AC3E}">
+        <p14:creationId xmlns:p14="http://schemas.microsoft.com/office/powerpoint/2010/main" val="420154461"/>
+      </p:ext>
+    </p:extLst>
   </p:cSld>
   <p:clrMapOvr>
     <a:masterClrMapping/>
@@ -4918,7 +4242,7 @@
           <p:cNvPr id="4" name="Rectangle 4">
             <a:extLst>
               <a:ext uri="{FF2B5EF4-FFF2-40B4-BE49-F238E27FC236}">
-                <a16:creationId xmlns:a16="http://schemas.microsoft.com/office/drawing/2014/main" id="{CBFFC4FF-25B6-2F41-87F3-D1F3AFF4FBEB}"/>
+                <a16:creationId xmlns:a16="http://schemas.microsoft.com/office/drawing/2014/main" xmlns="" id="{CBFFC4FF-25B6-2F41-87F3-D1F3AFF4FBEB}"/>
               </a:ext>
             </a:extLst>
           </p:cNvPr>
@@ -4952,7 +4276,7 @@
           <p:cNvPr id="5" name="Rectangle 5">
             <a:extLst>
               <a:ext uri="{FF2B5EF4-FFF2-40B4-BE49-F238E27FC236}">
-                <a16:creationId xmlns:a16="http://schemas.microsoft.com/office/drawing/2014/main" id="{4C096F85-2FFD-E94B-89F6-2FAB4BAEEE87}"/>
+                <a16:creationId xmlns:a16="http://schemas.microsoft.com/office/drawing/2014/main" xmlns="" id="{4C096F85-2FFD-E94B-89F6-2FAB4BAEEE87}"/>
               </a:ext>
             </a:extLst>
           </p:cNvPr>
@@ -4986,7 +4310,7 @@
           <p:cNvPr id="6" name="Rectangle 6">
             <a:extLst>
               <a:ext uri="{FF2B5EF4-FFF2-40B4-BE49-F238E27FC236}">
-                <a16:creationId xmlns:a16="http://schemas.microsoft.com/office/drawing/2014/main" id="{2796106F-EEB2-E64A-9116-AAFF62318609}"/>
+                <a16:creationId xmlns:a16="http://schemas.microsoft.com/office/drawing/2014/main" xmlns="" id="{2796106F-EEB2-E64A-9116-AAFF62318609}"/>
               </a:ext>
             </a:extLst>
           </p:cNvPr>
@@ -5130,7 +4454,7 @@
           <p:cNvPr id="4" name="Rectangle 4">
             <a:extLst>
               <a:ext uri="{FF2B5EF4-FFF2-40B4-BE49-F238E27FC236}">
-                <a16:creationId xmlns:a16="http://schemas.microsoft.com/office/drawing/2014/main" id="{6A32BADE-F659-5046-B660-D70E5FD5A453}"/>
+                <a16:creationId xmlns:a16="http://schemas.microsoft.com/office/drawing/2014/main" xmlns="" id="{6A32BADE-F659-5046-B660-D70E5FD5A453}"/>
               </a:ext>
             </a:extLst>
           </p:cNvPr>
@@ -5164,7 +4488,7 @@
           <p:cNvPr id="5" name="Rectangle 5">
             <a:extLst>
               <a:ext uri="{FF2B5EF4-FFF2-40B4-BE49-F238E27FC236}">
-                <a16:creationId xmlns:a16="http://schemas.microsoft.com/office/drawing/2014/main" id="{C6C00947-C3E3-7C43-8F5C-5E0C4CED7300}"/>
+                <a16:creationId xmlns:a16="http://schemas.microsoft.com/office/drawing/2014/main" xmlns="" id="{C6C00947-C3E3-7C43-8F5C-5E0C4CED7300}"/>
               </a:ext>
             </a:extLst>
           </p:cNvPr>
@@ -5198,7 +4522,7 @@
           <p:cNvPr id="6" name="Rectangle 6">
             <a:extLst>
               <a:ext uri="{FF2B5EF4-FFF2-40B4-BE49-F238E27FC236}">
-                <a16:creationId xmlns:a16="http://schemas.microsoft.com/office/drawing/2014/main" id="{9E78E138-D322-AA42-82D7-FC195069F600}"/>
+                <a16:creationId xmlns:a16="http://schemas.microsoft.com/office/drawing/2014/main" xmlns="" id="{9E78E138-D322-AA42-82D7-FC195069F600}"/>
               </a:ext>
             </a:extLst>
           </p:cNvPr>
@@ -5352,7 +4676,7 @@
           <p:cNvPr id="4" name="Rectangle 4">
             <a:extLst>
               <a:ext uri="{FF2B5EF4-FFF2-40B4-BE49-F238E27FC236}">
-                <a16:creationId xmlns:a16="http://schemas.microsoft.com/office/drawing/2014/main" id="{2606C2FE-DFA7-A346-9F08-F601AFC337E9}"/>
+                <a16:creationId xmlns:a16="http://schemas.microsoft.com/office/drawing/2014/main" xmlns="" id="{2606C2FE-DFA7-A346-9F08-F601AFC337E9}"/>
               </a:ext>
             </a:extLst>
           </p:cNvPr>
@@ -5386,7 +4710,7 @@
           <p:cNvPr id="5" name="Rectangle 5">
             <a:extLst>
               <a:ext uri="{FF2B5EF4-FFF2-40B4-BE49-F238E27FC236}">
-                <a16:creationId xmlns:a16="http://schemas.microsoft.com/office/drawing/2014/main" id="{68BD24F8-D24B-B142-862C-4F4ED088CAE0}"/>
+                <a16:creationId xmlns:a16="http://schemas.microsoft.com/office/drawing/2014/main" xmlns="" id="{68BD24F8-D24B-B142-862C-4F4ED088CAE0}"/>
               </a:ext>
             </a:extLst>
           </p:cNvPr>
@@ -5420,7 +4744,7 @@
           <p:cNvPr id="6" name="Rectangle 6">
             <a:extLst>
               <a:ext uri="{FF2B5EF4-FFF2-40B4-BE49-F238E27FC236}">
-                <a16:creationId xmlns:a16="http://schemas.microsoft.com/office/drawing/2014/main" id="{DCFFF4C2-EBEB-D74F-9371-02B5A65CD036}"/>
+                <a16:creationId xmlns:a16="http://schemas.microsoft.com/office/drawing/2014/main" xmlns="" id="{DCFFF4C2-EBEB-D74F-9371-02B5A65CD036}"/>
               </a:ext>
             </a:extLst>
           </p:cNvPr>
@@ -5564,7 +4888,7 @@
           <p:cNvPr id="4" name="Rectangle 4">
             <a:extLst>
               <a:ext uri="{FF2B5EF4-FFF2-40B4-BE49-F238E27FC236}">
-                <a16:creationId xmlns:a16="http://schemas.microsoft.com/office/drawing/2014/main" id="{4F77C46A-12C9-8F4B-B36B-A58EA1012DC9}"/>
+                <a16:creationId xmlns:a16="http://schemas.microsoft.com/office/drawing/2014/main" xmlns="" id="{4F77C46A-12C9-8F4B-B36B-A58EA1012DC9}"/>
               </a:ext>
             </a:extLst>
           </p:cNvPr>
@@ -5598,7 +4922,7 @@
           <p:cNvPr id="5" name="Rectangle 5">
             <a:extLst>
               <a:ext uri="{FF2B5EF4-FFF2-40B4-BE49-F238E27FC236}">
-                <a16:creationId xmlns:a16="http://schemas.microsoft.com/office/drawing/2014/main" id="{204124B9-9C00-EF48-B916-2993DE755BBC}"/>
+                <a16:creationId xmlns:a16="http://schemas.microsoft.com/office/drawing/2014/main" xmlns="" id="{204124B9-9C00-EF48-B916-2993DE755BBC}"/>
               </a:ext>
             </a:extLst>
           </p:cNvPr>
@@ -5632,7 +4956,7 @@
           <p:cNvPr id="6" name="Rectangle 6">
             <a:extLst>
               <a:ext uri="{FF2B5EF4-FFF2-40B4-BE49-F238E27FC236}">
-                <a16:creationId xmlns:a16="http://schemas.microsoft.com/office/drawing/2014/main" id="{41557751-8E1D-244A-BE57-51574A96609F}"/>
+                <a16:creationId xmlns:a16="http://schemas.microsoft.com/office/drawing/2014/main" xmlns="" id="{41557751-8E1D-244A-BE57-51574A96609F}"/>
               </a:ext>
             </a:extLst>
           </p:cNvPr>
@@ -5799,7 +5123,7 @@
           <p:cNvPr id="4" name="Rectangle 4">
             <a:extLst>
               <a:ext uri="{FF2B5EF4-FFF2-40B4-BE49-F238E27FC236}">
-                <a16:creationId xmlns:a16="http://schemas.microsoft.com/office/drawing/2014/main" id="{16D5654B-BF22-544B-8EDB-DF8E226254B8}"/>
+                <a16:creationId xmlns:a16="http://schemas.microsoft.com/office/drawing/2014/main" xmlns="" id="{16D5654B-BF22-544B-8EDB-DF8E226254B8}"/>
               </a:ext>
             </a:extLst>
           </p:cNvPr>
@@ -5833,7 +5157,7 @@
           <p:cNvPr id="5" name="Rectangle 5">
             <a:extLst>
               <a:ext uri="{FF2B5EF4-FFF2-40B4-BE49-F238E27FC236}">
-                <a16:creationId xmlns:a16="http://schemas.microsoft.com/office/drawing/2014/main" id="{3F604BB5-E7A1-454E-83DD-045E2E5708A4}"/>
+                <a16:creationId xmlns:a16="http://schemas.microsoft.com/office/drawing/2014/main" xmlns="" id="{3F604BB5-E7A1-454E-83DD-045E2E5708A4}"/>
               </a:ext>
             </a:extLst>
           </p:cNvPr>
@@ -5867,7 +5191,7 @@
           <p:cNvPr id="6" name="Rectangle 6">
             <a:extLst>
               <a:ext uri="{FF2B5EF4-FFF2-40B4-BE49-F238E27FC236}">
-                <a16:creationId xmlns:a16="http://schemas.microsoft.com/office/drawing/2014/main" id="{EE8833F8-39E2-A946-A2E8-E1684A2E68BC}"/>
+                <a16:creationId xmlns:a16="http://schemas.microsoft.com/office/drawing/2014/main" xmlns="" id="{EE8833F8-39E2-A946-A2E8-E1684A2E68BC}"/>
               </a:ext>
             </a:extLst>
           </p:cNvPr>
@@ -6128,7 +5452,7 @@
           <p:cNvPr id="5" name="Rectangle 4">
             <a:extLst>
               <a:ext uri="{FF2B5EF4-FFF2-40B4-BE49-F238E27FC236}">
-                <a16:creationId xmlns:a16="http://schemas.microsoft.com/office/drawing/2014/main" id="{939112DA-065D-444A-B3DF-04650F72011D}"/>
+                <a16:creationId xmlns:a16="http://schemas.microsoft.com/office/drawing/2014/main" xmlns="" id="{939112DA-065D-444A-B3DF-04650F72011D}"/>
               </a:ext>
             </a:extLst>
           </p:cNvPr>
@@ -6162,7 +5486,7 @@
           <p:cNvPr id="6" name="Rectangle 5">
             <a:extLst>
               <a:ext uri="{FF2B5EF4-FFF2-40B4-BE49-F238E27FC236}">
-                <a16:creationId xmlns:a16="http://schemas.microsoft.com/office/drawing/2014/main" id="{290B047B-8D59-A14E-8B66-9459A41AA2F3}"/>
+                <a16:creationId xmlns:a16="http://schemas.microsoft.com/office/drawing/2014/main" xmlns="" id="{290B047B-8D59-A14E-8B66-9459A41AA2F3}"/>
               </a:ext>
             </a:extLst>
           </p:cNvPr>
@@ -6196,7 +5520,7 @@
           <p:cNvPr id="7" name="Rectangle 6">
             <a:extLst>
               <a:ext uri="{FF2B5EF4-FFF2-40B4-BE49-F238E27FC236}">
-                <a16:creationId xmlns:a16="http://schemas.microsoft.com/office/drawing/2014/main" id="{E126F9E9-9A18-884B-9A8E-31F84B8639C6}"/>
+                <a16:creationId xmlns:a16="http://schemas.microsoft.com/office/drawing/2014/main" xmlns="" id="{E126F9E9-9A18-884B-9A8E-31F84B8639C6}"/>
               </a:ext>
             </a:extLst>
           </p:cNvPr>
@@ -6591,7 +5915,7 @@
           <p:cNvPr id="7" name="Rectangle 4">
             <a:extLst>
               <a:ext uri="{FF2B5EF4-FFF2-40B4-BE49-F238E27FC236}">
-                <a16:creationId xmlns:a16="http://schemas.microsoft.com/office/drawing/2014/main" id="{95C4813C-4E1A-F043-B218-C7959682FFE9}"/>
+                <a16:creationId xmlns:a16="http://schemas.microsoft.com/office/drawing/2014/main" xmlns="" id="{95C4813C-4E1A-F043-B218-C7959682FFE9}"/>
               </a:ext>
             </a:extLst>
           </p:cNvPr>
@@ -6625,7 +5949,7 @@
           <p:cNvPr id="8" name="Rectangle 5">
             <a:extLst>
               <a:ext uri="{FF2B5EF4-FFF2-40B4-BE49-F238E27FC236}">
-                <a16:creationId xmlns:a16="http://schemas.microsoft.com/office/drawing/2014/main" id="{E34CED14-F450-6840-BF80-ECBF681228EA}"/>
+                <a16:creationId xmlns:a16="http://schemas.microsoft.com/office/drawing/2014/main" xmlns="" id="{E34CED14-F450-6840-BF80-ECBF681228EA}"/>
               </a:ext>
             </a:extLst>
           </p:cNvPr>
@@ -6659,7 +5983,7 @@
           <p:cNvPr id="9" name="Rectangle 6">
             <a:extLst>
               <a:ext uri="{FF2B5EF4-FFF2-40B4-BE49-F238E27FC236}">
-                <a16:creationId xmlns:a16="http://schemas.microsoft.com/office/drawing/2014/main" id="{7B65E33D-F19F-084E-8228-4BBA25779346}"/>
+                <a16:creationId xmlns:a16="http://schemas.microsoft.com/office/drawing/2014/main" xmlns="" id="{7B65E33D-F19F-084E-8228-4BBA25779346}"/>
               </a:ext>
             </a:extLst>
           </p:cNvPr>
@@ -6752,7 +6076,7 @@
           <p:cNvPr id="3" name="Rectangle 4">
             <a:extLst>
               <a:ext uri="{FF2B5EF4-FFF2-40B4-BE49-F238E27FC236}">
-                <a16:creationId xmlns:a16="http://schemas.microsoft.com/office/drawing/2014/main" id="{F4BC7895-DFEB-4F44-8BC9-BDFF081AF1DD}"/>
+                <a16:creationId xmlns:a16="http://schemas.microsoft.com/office/drawing/2014/main" xmlns="" id="{F4BC7895-DFEB-4F44-8BC9-BDFF081AF1DD}"/>
               </a:ext>
             </a:extLst>
           </p:cNvPr>
@@ -6786,7 +6110,7 @@
           <p:cNvPr id="4" name="Rectangle 5">
             <a:extLst>
               <a:ext uri="{FF2B5EF4-FFF2-40B4-BE49-F238E27FC236}">
-                <a16:creationId xmlns:a16="http://schemas.microsoft.com/office/drawing/2014/main" id="{D39CDA88-E4EE-534A-AA5B-C6D2E7BBC062}"/>
+                <a16:creationId xmlns:a16="http://schemas.microsoft.com/office/drawing/2014/main" xmlns="" id="{D39CDA88-E4EE-534A-AA5B-C6D2E7BBC062}"/>
               </a:ext>
             </a:extLst>
           </p:cNvPr>
@@ -6820,7 +6144,7 @@
           <p:cNvPr id="5" name="Rectangle 6">
             <a:extLst>
               <a:ext uri="{FF2B5EF4-FFF2-40B4-BE49-F238E27FC236}">
-                <a16:creationId xmlns:a16="http://schemas.microsoft.com/office/drawing/2014/main" id="{C9051539-E274-CE43-BB74-3FEEF9E9ADA1}"/>
+                <a16:creationId xmlns:a16="http://schemas.microsoft.com/office/drawing/2014/main" xmlns="" id="{C9051539-E274-CE43-BB74-3FEEF9E9ADA1}"/>
               </a:ext>
             </a:extLst>
           </p:cNvPr>
@@ -6891,7 +6215,7 @@
           <p:cNvPr id="2" name="Group 22">
             <a:extLst>
               <a:ext uri="{FF2B5EF4-FFF2-40B4-BE49-F238E27FC236}">
-                <a16:creationId xmlns:a16="http://schemas.microsoft.com/office/drawing/2014/main" id="{8E84F22A-9706-1E48-B2F1-46BDBDC069B0}"/>
+                <a16:creationId xmlns:a16="http://schemas.microsoft.com/office/drawing/2014/main" xmlns="" id="{8E84F22A-9706-1E48-B2F1-46BDBDC069B0}"/>
               </a:ext>
             </a:extLst>
           </p:cNvPr>
@@ -6913,7 +6237,7 @@
             <p:cNvPr id="3" name="Freeform 8" descr="5%">
               <a:extLst>
                 <a:ext uri="{FF2B5EF4-FFF2-40B4-BE49-F238E27FC236}">
-                  <a16:creationId xmlns:a16="http://schemas.microsoft.com/office/drawing/2014/main" id="{B7039347-F769-F148-A923-1B0BE0ECB77E}"/>
+                  <a16:creationId xmlns:a16="http://schemas.microsoft.com/office/drawing/2014/main" xmlns="" id="{B7039347-F769-F148-A923-1B0BE0ECB77E}"/>
                 </a:ext>
               </a:extLst>
             </p:cNvPr>
@@ -7032,7 +6356,7 @@
             <p:cNvPr id="4" name="Freeform 9" descr="5%">
               <a:extLst>
                 <a:ext uri="{FF2B5EF4-FFF2-40B4-BE49-F238E27FC236}">
-                  <a16:creationId xmlns:a16="http://schemas.microsoft.com/office/drawing/2014/main" id="{6F999DAB-C9D8-8C48-88BC-EB0ACC950367}"/>
+                  <a16:creationId xmlns:a16="http://schemas.microsoft.com/office/drawing/2014/main" xmlns="" id="{6F999DAB-C9D8-8C48-88BC-EB0ACC950367}"/>
                 </a:ext>
               </a:extLst>
             </p:cNvPr>
@@ -7151,7 +6475,7 @@
             <p:cNvPr id="5" name="Freeform 10" descr="5%">
               <a:extLst>
                 <a:ext uri="{FF2B5EF4-FFF2-40B4-BE49-F238E27FC236}">
-                  <a16:creationId xmlns:a16="http://schemas.microsoft.com/office/drawing/2014/main" id="{5ED24D02-9BC2-E545-95E6-3CCD22CF78BA}"/>
+                  <a16:creationId xmlns:a16="http://schemas.microsoft.com/office/drawing/2014/main" xmlns="" id="{5ED24D02-9BC2-E545-95E6-3CCD22CF78BA}"/>
                 </a:ext>
               </a:extLst>
             </p:cNvPr>
@@ -7270,7 +6594,7 @@
             <p:cNvPr id="6" name="Freeform 11" descr="5%">
               <a:extLst>
                 <a:ext uri="{FF2B5EF4-FFF2-40B4-BE49-F238E27FC236}">
-                  <a16:creationId xmlns:a16="http://schemas.microsoft.com/office/drawing/2014/main" id="{2F614782-A419-8043-BC6F-187E134A38CF}"/>
+                  <a16:creationId xmlns:a16="http://schemas.microsoft.com/office/drawing/2014/main" xmlns="" id="{2F614782-A419-8043-BC6F-187E134A38CF}"/>
                 </a:ext>
               </a:extLst>
             </p:cNvPr>
@@ -7389,7 +6713,7 @@
             <p:cNvPr id="7" name="Freeform 12" descr="5%">
               <a:extLst>
                 <a:ext uri="{FF2B5EF4-FFF2-40B4-BE49-F238E27FC236}">
-                  <a16:creationId xmlns:a16="http://schemas.microsoft.com/office/drawing/2014/main" id="{B9D19167-1DB4-3C41-9039-944BB5EED427}"/>
+                  <a16:creationId xmlns:a16="http://schemas.microsoft.com/office/drawing/2014/main" xmlns="" id="{B9D19167-1DB4-3C41-9039-944BB5EED427}"/>
                 </a:ext>
               </a:extLst>
             </p:cNvPr>
@@ -7508,7 +6832,7 @@
             <p:cNvPr id="8" name="Freeform 13" descr="5%">
               <a:extLst>
                 <a:ext uri="{FF2B5EF4-FFF2-40B4-BE49-F238E27FC236}">
-                  <a16:creationId xmlns:a16="http://schemas.microsoft.com/office/drawing/2014/main" id="{B2EAC2A2-D222-CA42-8295-561B5CD74721}"/>
+                  <a16:creationId xmlns:a16="http://schemas.microsoft.com/office/drawing/2014/main" xmlns="" id="{B2EAC2A2-D222-CA42-8295-561B5CD74721}"/>
                 </a:ext>
               </a:extLst>
             </p:cNvPr>
@@ -7628,7 +6952,7 @@
           <p:cNvPr id="9" name="Freeform 17">
             <a:extLst>
               <a:ext uri="{FF2B5EF4-FFF2-40B4-BE49-F238E27FC236}">
-                <a16:creationId xmlns:a16="http://schemas.microsoft.com/office/drawing/2014/main" id="{ADE1301C-82E7-B44E-8823-4ABD8E4996E1}"/>
+                <a16:creationId xmlns:a16="http://schemas.microsoft.com/office/drawing/2014/main" xmlns="" id="{ADE1301C-82E7-B44E-8823-4ABD8E4996E1}"/>
               </a:ext>
             </a:extLst>
           </p:cNvPr>
@@ -7743,7 +7067,7 @@
           <p:cNvPr id="10" name="17 Imagen">
             <a:extLst>
               <a:ext uri="{FF2B5EF4-FFF2-40B4-BE49-F238E27FC236}">
-                <a16:creationId xmlns:a16="http://schemas.microsoft.com/office/drawing/2014/main" id="{D7E1B383-B42A-DE4D-8338-F7F674EC9B14}"/>
+                <a16:creationId xmlns:a16="http://schemas.microsoft.com/office/drawing/2014/main" xmlns="" id="{D7E1B383-B42A-DE4D-8338-F7F674EC9B14}"/>
               </a:ext>
             </a:extLst>
           </p:cNvPr>
@@ -7803,7 +7127,7 @@
           <p:cNvPr id="11" name="Imagen 15">
             <a:extLst>
               <a:ext uri="{FF2B5EF4-FFF2-40B4-BE49-F238E27FC236}">
-                <a16:creationId xmlns:a16="http://schemas.microsoft.com/office/drawing/2014/main" id="{14BA994B-DA64-BD4B-95BC-B2B7928A2329}"/>
+                <a16:creationId xmlns:a16="http://schemas.microsoft.com/office/drawing/2014/main" xmlns="" id="{14BA994B-DA64-BD4B-95BC-B2B7928A2329}"/>
               </a:ext>
             </a:extLst>
           </p:cNvPr>
@@ -7863,7 +7187,7 @@
           <p:cNvPr id="12" name="Rectangle 6">
             <a:extLst>
               <a:ext uri="{FF2B5EF4-FFF2-40B4-BE49-F238E27FC236}">
-                <a16:creationId xmlns:a16="http://schemas.microsoft.com/office/drawing/2014/main" id="{07FA309B-90CD-D54E-AA02-3C668A6BFB51}"/>
+                <a16:creationId xmlns:a16="http://schemas.microsoft.com/office/drawing/2014/main" xmlns="" id="{07FA309B-90CD-D54E-AA02-3C668A6BFB51}"/>
               </a:ext>
             </a:extLst>
           </p:cNvPr>
@@ -8112,7 +7436,7 @@
           <p:cNvPr id="5" name="Rectangle 4">
             <a:extLst>
               <a:ext uri="{FF2B5EF4-FFF2-40B4-BE49-F238E27FC236}">
-                <a16:creationId xmlns:a16="http://schemas.microsoft.com/office/drawing/2014/main" id="{C7C8B1DD-4DA0-EF4D-B9CF-6AFFB6F0D393}"/>
+                <a16:creationId xmlns:a16="http://schemas.microsoft.com/office/drawing/2014/main" xmlns="" id="{C7C8B1DD-4DA0-EF4D-B9CF-6AFFB6F0D393}"/>
               </a:ext>
             </a:extLst>
           </p:cNvPr>
@@ -8146,7 +7470,7 @@
           <p:cNvPr id="6" name="Rectangle 5">
             <a:extLst>
               <a:ext uri="{FF2B5EF4-FFF2-40B4-BE49-F238E27FC236}">
-                <a16:creationId xmlns:a16="http://schemas.microsoft.com/office/drawing/2014/main" id="{9E79C3ED-79BC-0248-88E9-6470BD781F40}"/>
+                <a16:creationId xmlns:a16="http://schemas.microsoft.com/office/drawing/2014/main" xmlns="" id="{9E79C3ED-79BC-0248-88E9-6470BD781F40}"/>
               </a:ext>
             </a:extLst>
           </p:cNvPr>
@@ -8180,7 +7504,7 @@
           <p:cNvPr id="7" name="Rectangle 6">
             <a:extLst>
               <a:ext uri="{FF2B5EF4-FFF2-40B4-BE49-F238E27FC236}">
-                <a16:creationId xmlns:a16="http://schemas.microsoft.com/office/drawing/2014/main" id="{3AB662F9-6380-3041-AD2B-E570902EE19D}"/>
+                <a16:creationId xmlns:a16="http://schemas.microsoft.com/office/drawing/2014/main" xmlns="" id="{3AB662F9-6380-3041-AD2B-E570902EE19D}"/>
               </a:ext>
             </a:extLst>
           </p:cNvPr>
@@ -8409,7 +7733,7 @@
           <p:cNvPr id="5" name="Rectangle 4">
             <a:extLst>
               <a:ext uri="{FF2B5EF4-FFF2-40B4-BE49-F238E27FC236}">
-                <a16:creationId xmlns:a16="http://schemas.microsoft.com/office/drawing/2014/main" id="{CBA21871-7A5D-B443-93D6-F8A17F2DCF85}"/>
+                <a16:creationId xmlns:a16="http://schemas.microsoft.com/office/drawing/2014/main" xmlns="" id="{CBA21871-7A5D-B443-93D6-F8A17F2DCF85}"/>
               </a:ext>
             </a:extLst>
           </p:cNvPr>
@@ -8443,7 +7767,7 @@
           <p:cNvPr id="6" name="Rectangle 5">
             <a:extLst>
               <a:ext uri="{FF2B5EF4-FFF2-40B4-BE49-F238E27FC236}">
-                <a16:creationId xmlns:a16="http://schemas.microsoft.com/office/drawing/2014/main" id="{E76AB48A-FB00-AB41-A25D-494327B102EA}"/>
+                <a16:creationId xmlns:a16="http://schemas.microsoft.com/office/drawing/2014/main" xmlns="" id="{E76AB48A-FB00-AB41-A25D-494327B102EA}"/>
               </a:ext>
             </a:extLst>
           </p:cNvPr>
@@ -8477,7 +7801,7 @@
           <p:cNvPr id="7" name="Rectangle 6">
             <a:extLst>
               <a:ext uri="{FF2B5EF4-FFF2-40B4-BE49-F238E27FC236}">
-                <a16:creationId xmlns:a16="http://schemas.microsoft.com/office/drawing/2014/main" id="{1C28FCBD-BF2C-6841-B4D8-8DC16AE75B6E}"/>
+                <a16:creationId xmlns:a16="http://schemas.microsoft.com/office/drawing/2014/main" xmlns="" id="{1C28FCBD-BF2C-6841-B4D8-8DC16AE75B6E}"/>
               </a:ext>
             </a:extLst>
           </p:cNvPr>
@@ -8556,7 +7880,7 @@
           <p:cNvPr id="1026" name="Rectangle 2">
             <a:extLst>
               <a:ext uri="{FF2B5EF4-FFF2-40B4-BE49-F238E27FC236}">
-                <a16:creationId xmlns:a16="http://schemas.microsoft.com/office/drawing/2014/main" id="{BB0E7CB5-3395-0646-A20A-7249B9974431}"/>
+                <a16:creationId xmlns:a16="http://schemas.microsoft.com/office/drawing/2014/main" xmlns="" id="{BB0E7CB5-3395-0646-A20A-7249B9974431}"/>
               </a:ext>
             </a:extLst>
           </p:cNvPr>
@@ -8630,7 +7954,7 @@
           <p:cNvPr id="1027" name="Rectangle 3">
             <a:extLst>
               <a:ext uri="{FF2B5EF4-FFF2-40B4-BE49-F238E27FC236}">
-                <a16:creationId xmlns:a16="http://schemas.microsoft.com/office/drawing/2014/main" id="{8CB37737-6579-404E-A639-D817E15EE378}"/>
+                <a16:creationId xmlns:a16="http://schemas.microsoft.com/office/drawing/2014/main" xmlns="" id="{8CB37737-6579-404E-A639-D817E15EE378}"/>
               </a:ext>
             </a:extLst>
           </p:cNvPr>
@@ -8732,7 +8056,7 @@
           <p:cNvPr id="1028" name="Rectangle 4">
             <a:extLst>
               <a:ext uri="{FF2B5EF4-FFF2-40B4-BE49-F238E27FC236}">
-                <a16:creationId xmlns:a16="http://schemas.microsoft.com/office/drawing/2014/main" id="{3036F1C7-8DCE-6243-BF4D-A7EF32222206}"/>
+                <a16:creationId xmlns:a16="http://schemas.microsoft.com/office/drawing/2014/main" xmlns="" id="{3036F1C7-8DCE-6243-BF4D-A7EF32222206}"/>
               </a:ext>
             </a:extLst>
           </p:cNvPr>
@@ -8811,7 +8135,7 @@
           <p:cNvPr id="1029" name="Rectangle 5">
             <a:extLst>
               <a:ext uri="{FF2B5EF4-FFF2-40B4-BE49-F238E27FC236}">
-                <a16:creationId xmlns:a16="http://schemas.microsoft.com/office/drawing/2014/main" id="{C1624EBC-F7C4-C049-B404-364BB8BD761F}"/>
+                <a16:creationId xmlns:a16="http://schemas.microsoft.com/office/drawing/2014/main" xmlns="" id="{C1624EBC-F7C4-C049-B404-364BB8BD761F}"/>
               </a:ext>
             </a:extLst>
           </p:cNvPr>
@@ -8890,7 +8214,7 @@
           <p:cNvPr id="1030" name="Rectangle 6">
             <a:extLst>
               <a:ext uri="{FF2B5EF4-FFF2-40B4-BE49-F238E27FC236}">
-                <a16:creationId xmlns:a16="http://schemas.microsoft.com/office/drawing/2014/main" id="{BC9DBA90-5BB7-B54B-B0AC-6480000D6EAF}"/>
+                <a16:creationId xmlns:a16="http://schemas.microsoft.com/office/drawing/2014/main" xmlns="" id="{BC9DBA90-5BB7-B54B-B0AC-6480000D6EAF}"/>
               </a:ext>
             </a:extLst>
           </p:cNvPr>
@@ -9376,7 +8700,7 @@
           <p:cNvPr id="14337" name="Imagen 1">
             <a:extLst>
               <a:ext uri="{FF2B5EF4-FFF2-40B4-BE49-F238E27FC236}">
-                <a16:creationId xmlns:a16="http://schemas.microsoft.com/office/drawing/2014/main" id="{7F1D6CA4-5F4D-1444-9762-9C39BCC5CA71}"/>
+                <a16:creationId xmlns:a16="http://schemas.microsoft.com/office/drawing/2014/main" xmlns="" id="{7F1D6CA4-5F4D-1444-9762-9C39BCC5CA71}"/>
               </a:ext>
             </a:extLst>
           </p:cNvPr>
@@ -9386,7 +8710,7 @@
           <p:nvPr/>
         </p:nvPicPr>
         <p:blipFill>
-          <a:blip r:embed="rId2">
+          <a:blip r:embed="rId2" cstate="print">
             <a:extLst>
               <a:ext uri="{28A0092B-C50C-407E-A947-70E740481C1C}">
                 <a14:useLocalDpi xmlns:a14="http://schemas.microsoft.com/office/drawing/2010/main" val="0"/>
@@ -9436,7 +8760,7 @@
           <p:cNvPr id="14338" name="Group 45">
             <a:extLst>
               <a:ext uri="{FF2B5EF4-FFF2-40B4-BE49-F238E27FC236}">
-                <a16:creationId xmlns:a16="http://schemas.microsoft.com/office/drawing/2014/main" id="{9ADAEC38-7FE8-5746-854B-6203008C9A28}"/>
+                <a16:creationId xmlns:a16="http://schemas.microsoft.com/office/drawing/2014/main" xmlns="" id="{9ADAEC38-7FE8-5746-854B-6203008C9A28}"/>
               </a:ext>
             </a:extLst>
           </p:cNvPr>
@@ -9458,7 +8782,7 @@
             <p:cNvPr id="14342" name="Text Box 29">
               <a:extLst>
                 <a:ext uri="{FF2B5EF4-FFF2-40B4-BE49-F238E27FC236}">
-                  <a16:creationId xmlns:a16="http://schemas.microsoft.com/office/drawing/2014/main" id="{352F96A7-3C2B-B24B-BB36-7D18C1762A93}"/>
+                  <a16:creationId xmlns:a16="http://schemas.microsoft.com/office/drawing/2014/main" xmlns="" id="{352F96A7-3C2B-B24B-BB36-7D18C1762A93}"/>
                 </a:ext>
               </a:extLst>
             </p:cNvPr>
@@ -9712,7 +9036,7 @@
             <p:cNvPr id="14343" name="Text Box 30">
               <a:extLst>
                 <a:ext uri="{FF2B5EF4-FFF2-40B4-BE49-F238E27FC236}">
-                  <a16:creationId xmlns:a16="http://schemas.microsoft.com/office/drawing/2014/main" id="{52C5A348-D146-7F4A-8486-2FE817DDABBD}"/>
+                  <a16:creationId xmlns:a16="http://schemas.microsoft.com/office/drawing/2014/main" xmlns="" id="{52C5A348-D146-7F4A-8486-2FE817DDABBD}"/>
                 </a:ext>
               </a:extLst>
             </p:cNvPr>
@@ -9910,7 +9234,7 @@
           <p:cNvPr id="14339" name="Rectangle 27">
             <a:extLst>
               <a:ext uri="{FF2B5EF4-FFF2-40B4-BE49-F238E27FC236}">
-                <a16:creationId xmlns:a16="http://schemas.microsoft.com/office/drawing/2014/main" id="{A611ED07-CD3C-C643-B9D5-232B736777DB}"/>
+                <a16:creationId xmlns:a16="http://schemas.microsoft.com/office/drawing/2014/main" xmlns="" id="{A611ED07-CD3C-C643-B9D5-232B736777DB}"/>
               </a:ext>
             </a:extLst>
           </p:cNvPr>
@@ -10160,7 +9484,7 @@
           <p:cNvPr id="14340" name="Rectangle 26">
             <a:extLst>
               <a:ext uri="{FF2B5EF4-FFF2-40B4-BE49-F238E27FC236}">
-                <a16:creationId xmlns:a16="http://schemas.microsoft.com/office/drawing/2014/main" id="{D35E3657-506F-BB4C-8EB8-A849B3BD478C}"/>
+                <a16:creationId xmlns:a16="http://schemas.microsoft.com/office/drawing/2014/main" xmlns="" id="{D35E3657-506F-BB4C-8EB8-A849B3BD478C}"/>
               </a:ext>
             </a:extLst>
           </p:cNvPr>
@@ -10359,7 +9683,7 @@
           <p:cNvPr id="14341" name="Imagen 1">
             <a:extLst>
               <a:ext uri="{FF2B5EF4-FFF2-40B4-BE49-F238E27FC236}">
-                <a16:creationId xmlns:a16="http://schemas.microsoft.com/office/drawing/2014/main" id="{E09421D2-8844-DF4A-B392-980EEE60E83D}"/>
+                <a16:creationId xmlns:a16="http://schemas.microsoft.com/office/drawing/2014/main" xmlns="" id="{E09421D2-8844-DF4A-B392-980EEE60E83D}"/>
               </a:ext>
             </a:extLst>
           </p:cNvPr>
@@ -10369,7 +9693,7 @@
           <p:nvPr/>
         </p:nvPicPr>
         <p:blipFill>
-          <a:blip r:embed="rId3">
+          <a:blip r:embed="rId3" cstate="print">
             <a:extLst>
               <a:ext uri="{28A0092B-C50C-407E-A947-70E740481C1C}">
                 <a14:useLocalDpi xmlns:a14="http://schemas.microsoft.com/office/drawing/2010/main" val="0"/>
@@ -10419,6 +9743,13 @@
   <p:clrMapOvr>
     <a:masterClrMapping/>
   </p:clrMapOvr>
+  <p:timing>
+    <p:tnLst>
+      <p:par>
+        <p:cTn id="1" dur="indefinite" restart="never" nodeType="tmRoot"/>
+      </p:par>
+    </p:tnLst>
+  </p:timing>
 </p:sld>
 </file>
 
@@ -10444,7 +9775,7 @@
           <p:cNvPr id="23553" name="Rectangle 14">
             <a:extLst>
               <a:ext uri="{FF2B5EF4-FFF2-40B4-BE49-F238E27FC236}">
-                <a16:creationId xmlns:a16="http://schemas.microsoft.com/office/drawing/2014/main" id="{0B7AE8D6-ACA6-BD4C-AAB0-F838665E4F75}"/>
+                <a16:creationId xmlns:a16="http://schemas.microsoft.com/office/drawing/2014/main" xmlns="" id="{0B7AE8D6-ACA6-BD4C-AAB0-F838665E4F75}"/>
               </a:ext>
             </a:extLst>
           </p:cNvPr>
@@ -10645,7 +9976,7 @@
           <p:cNvPr id="3" name="Rectangle 15">
             <a:extLst>
               <a:ext uri="{FF2B5EF4-FFF2-40B4-BE49-F238E27FC236}">
-                <a16:creationId xmlns:a16="http://schemas.microsoft.com/office/drawing/2014/main" id="{0A328C69-98A3-3A47-986D-A63DAE38B97F}"/>
+                <a16:creationId xmlns:a16="http://schemas.microsoft.com/office/drawing/2014/main" xmlns="" id="{0A328C69-98A3-3A47-986D-A63DAE38B97F}"/>
               </a:ext>
             </a:extLst>
           </p:cNvPr>
@@ -10926,7 +10257,7 @@
           <p:cNvPr id="23555" name="Imagen 5" descr="Imagen que contiene texto&#10;&#10;Descripción generada automáticamente">
             <a:extLst>
               <a:ext uri="{FF2B5EF4-FFF2-40B4-BE49-F238E27FC236}">
-                <a16:creationId xmlns:a16="http://schemas.microsoft.com/office/drawing/2014/main" id="{3242B5A9-BA21-FB40-ADF3-FEB6CBD3F47A}"/>
+                <a16:creationId xmlns:a16="http://schemas.microsoft.com/office/drawing/2014/main" xmlns="" id="{3242B5A9-BA21-FB40-ADF3-FEB6CBD3F47A}"/>
               </a:ext>
             </a:extLst>
           </p:cNvPr>
@@ -10986,6 +10317,13 @@
   <p:clrMapOvr>
     <a:masterClrMapping/>
   </p:clrMapOvr>
+  <p:timing>
+    <p:tnLst>
+      <p:par>
+        <p:cTn id="1" dur="indefinite" restart="never" nodeType="tmRoot"/>
+      </p:par>
+    </p:tnLst>
+  </p:timing>
 </p:sld>
 </file>
 
@@ -11011,7 +10349,7 @@
           <p:cNvPr id="3" name="Rectangle 15">
             <a:extLst>
               <a:ext uri="{FF2B5EF4-FFF2-40B4-BE49-F238E27FC236}">
-                <a16:creationId xmlns:a16="http://schemas.microsoft.com/office/drawing/2014/main" id="{0CF2EDDC-9A30-A547-88A0-2E8FC6DB33F2}"/>
+                <a16:creationId xmlns:a16="http://schemas.microsoft.com/office/drawing/2014/main" xmlns="" id="{0CF2EDDC-9A30-A547-88A0-2E8FC6DB33F2}"/>
               </a:ext>
             </a:extLst>
           </p:cNvPr>
@@ -11333,7 +10671,7 @@
           <p:cNvPr id="24578" name="Rectangle 14">
             <a:extLst>
               <a:ext uri="{FF2B5EF4-FFF2-40B4-BE49-F238E27FC236}">
-                <a16:creationId xmlns:a16="http://schemas.microsoft.com/office/drawing/2014/main" id="{7AD80868-E5D4-F54B-B01B-E8DAE70098F6}"/>
+                <a16:creationId xmlns:a16="http://schemas.microsoft.com/office/drawing/2014/main" xmlns="" id="{7AD80868-E5D4-F54B-B01B-E8DAE70098F6}"/>
               </a:ext>
             </a:extLst>
           </p:cNvPr>
@@ -11534,6 +10872,13 @@
   <p:clrMapOvr>
     <a:masterClrMapping/>
   </p:clrMapOvr>
+  <p:timing>
+    <p:tnLst>
+      <p:par>
+        <p:cTn id="1" dur="indefinite" restart="never" nodeType="tmRoot"/>
+      </p:par>
+    </p:tnLst>
+  </p:timing>
 </p:sld>
 </file>
 
@@ -11559,7 +10904,7 @@
           <p:cNvPr id="3" name="Rectangle 15">
             <a:extLst>
               <a:ext uri="{FF2B5EF4-FFF2-40B4-BE49-F238E27FC236}">
-                <a16:creationId xmlns:a16="http://schemas.microsoft.com/office/drawing/2014/main" id="{0CF2EDDC-9A30-A547-88A0-2E8FC6DB33F2}"/>
+                <a16:creationId xmlns:a16="http://schemas.microsoft.com/office/drawing/2014/main" xmlns="" id="{0CF2EDDC-9A30-A547-88A0-2E8FC6DB33F2}"/>
               </a:ext>
             </a:extLst>
           </p:cNvPr>
@@ -11915,7 +11260,7 @@
           <p:cNvPr id="25602" name="Rectangle 14">
             <a:extLst>
               <a:ext uri="{FF2B5EF4-FFF2-40B4-BE49-F238E27FC236}">
-                <a16:creationId xmlns:a16="http://schemas.microsoft.com/office/drawing/2014/main" id="{0D66F037-A71E-364B-AB3A-FA4DB3D6DD18}"/>
+                <a16:creationId xmlns:a16="http://schemas.microsoft.com/office/drawing/2014/main" xmlns="" id="{0D66F037-A71E-364B-AB3A-FA4DB3D6DD18}"/>
               </a:ext>
             </a:extLst>
           </p:cNvPr>
@@ -12116,6 +11461,13 @@
   <p:clrMapOvr>
     <a:masterClrMapping/>
   </p:clrMapOvr>
+  <p:timing>
+    <p:tnLst>
+      <p:par>
+        <p:cTn id="1" dur="indefinite" restart="never" nodeType="tmRoot"/>
+      </p:par>
+    </p:tnLst>
+  </p:timing>
 </p:sld>
 </file>
 
@@ -12141,7 +11493,7 @@
           <p:cNvPr id="3" name="Rectangle 15">
             <a:extLst>
               <a:ext uri="{FF2B5EF4-FFF2-40B4-BE49-F238E27FC236}">
-                <a16:creationId xmlns:a16="http://schemas.microsoft.com/office/drawing/2014/main" id="{0CF2EDDC-9A30-A547-88A0-2E8FC6DB33F2}"/>
+                <a16:creationId xmlns:a16="http://schemas.microsoft.com/office/drawing/2014/main" xmlns="" id="{0CF2EDDC-9A30-A547-88A0-2E8FC6DB33F2}"/>
               </a:ext>
             </a:extLst>
           </p:cNvPr>
@@ -12548,7 +11900,7 @@
           <p:cNvPr id="26626" name="Rectangle 14">
             <a:extLst>
               <a:ext uri="{FF2B5EF4-FFF2-40B4-BE49-F238E27FC236}">
-                <a16:creationId xmlns:a16="http://schemas.microsoft.com/office/drawing/2014/main" id="{5535106D-786F-1245-96A4-008C993FF3BF}"/>
+                <a16:creationId xmlns:a16="http://schemas.microsoft.com/office/drawing/2014/main" xmlns="" id="{5535106D-786F-1245-96A4-008C993FF3BF}"/>
               </a:ext>
             </a:extLst>
           </p:cNvPr>
@@ -12749,6 +12101,13 @@
   <p:clrMapOvr>
     <a:masterClrMapping/>
   </p:clrMapOvr>
+  <p:timing>
+    <p:tnLst>
+      <p:par>
+        <p:cTn id="1" dur="indefinite" restart="never" nodeType="tmRoot"/>
+      </p:par>
+    </p:tnLst>
+  </p:timing>
 </p:sld>
 </file>
 
@@ -12774,7 +12133,7 @@
           <p:cNvPr id="3" name="Rectangle 15">
             <a:extLst>
               <a:ext uri="{FF2B5EF4-FFF2-40B4-BE49-F238E27FC236}">
-                <a16:creationId xmlns:a16="http://schemas.microsoft.com/office/drawing/2014/main" id="{0CF2EDDC-9A30-A547-88A0-2E8FC6DB33F2}"/>
+                <a16:creationId xmlns:a16="http://schemas.microsoft.com/office/drawing/2014/main" xmlns="" id="{0CF2EDDC-9A30-A547-88A0-2E8FC6DB33F2}"/>
               </a:ext>
             </a:extLst>
           </p:cNvPr>
@@ -13115,7 +12474,7 @@
           <p:cNvPr id="27650" name="Rectangle 14">
             <a:extLst>
               <a:ext uri="{FF2B5EF4-FFF2-40B4-BE49-F238E27FC236}">
-                <a16:creationId xmlns:a16="http://schemas.microsoft.com/office/drawing/2014/main" id="{C867A996-B433-5140-98D6-87136BAD40B9}"/>
+                <a16:creationId xmlns:a16="http://schemas.microsoft.com/office/drawing/2014/main" xmlns="" id="{C867A996-B433-5140-98D6-87136BAD40B9}"/>
               </a:ext>
             </a:extLst>
           </p:cNvPr>
@@ -13316,6 +12675,13 @@
   <p:clrMapOvr>
     <a:masterClrMapping/>
   </p:clrMapOvr>
+  <p:timing>
+    <p:tnLst>
+      <p:par>
+        <p:cTn id="1" dur="indefinite" restart="never" nodeType="tmRoot"/>
+      </p:par>
+    </p:tnLst>
+  </p:timing>
 </p:sld>
 </file>
 
@@ -13341,7 +12707,7 @@
           <p:cNvPr id="3" name="Rectangle 15">
             <a:extLst>
               <a:ext uri="{FF2B5EF4-FFF2-40B4-BE49-F238E27FC236}">
-                <a16:creationId xmlns:a16="http://schemas.microsoft.com/office/drawing/2014/main" id="{0CF2EDDC-9A30-A547-88A0-2E8FC6DB33F2}"/>
+                <a16:creationId xmlns:a16="http://schemas.microsoft.com/office/drawing/2014/main" xmlns="" id="{0CF2EDDC-9A30-A547-88A0-2E8FC6DB33F2}"/>
               </a:ext>
             </a:extLst>
           </p:cNvPr>
@@ -13726,7 +13092,7 @@
           <p:cNvPr id="28674" name="Rectangle 14">
             <a:extLst>
               <a:ext uri="{FF2B5EF4-FFF2-40B4-BE49-F238E27FC236}">
-                <a16:creationId xmlns:a16="http://schemas.microsoft.com/office/drawing/2014/main" id="{B66A82A9-089A-5149-AC11-1D6AD4C8D17D}"/>
+                <a16:creationId xmlns:a16="http://schemas.microsoft.com/office/drawing/2014/main" xmlns="" id="{B66A82A9-089A-5149-AC11-1D6AD4C8D17D}"/>
               </a:ext>
             </a:extLst>
           </p:cNvPr>
@@ -13927,6 +13293,13 @@
   <p:clrMapOvr>
     <a:masterClrMapping/>
   </p:clrMapOvr>
+  <p:timing>
+    <p:tnLst>
+      <p:par>
+        <p:cTn id="1" dur="indefinite" restart="never" nodeType="tmRoot"/>
+      </p:par>
+    </p:tnLst>
+  </p:timing>
 </p:sld>
 </file>
 
@@ -13952,7 +13325,7 @@
           <p:cNvPr id="3" name="Rectangle 15">
             <a:extLst>
               <a:ext uri="{FF2B5EF4-FFF2-40B4-BE49-F238E27FC236}">
-                <a16:creationId xmlns:a16="http://schemas.microsoft.com/office/drawing/2014/main" id="{0CF2EDDC-9A30-A547-88A0-2E8FC6DB33F2}"/>
+                <a16:creationId xmlns:a16="http://schemas.microsoft.com/office/drawing/2014/main" xmlns="" id="{0CF2EDDC-9A30-A547-88A0-2E8FC6DB33F2}"/>
               </a:ext>
             </a:extLst>
           </p:cNvPr>
@@ -14337,7 +13710,7 @@
           <p:cNvPr id="29698" name="Rectangle 14">
             <a:extLst>
               <a:ext uri="{FF2B5EF4-FFF2-40B4-BE49-F238E27FC236}">
-                <a16:creationId xmlns:a16="http://schemas.microsoft.com/office/drawing/2014/main" id="{7DD7E78E-D2B1-A642-9B6F-312CE8AAC5A6}"/>
+                <a16:creationId xmlns:a16="http://schemas.microsoft.com/office/drawing/2014/main" xmlns="" id="{7DD7E78E-D2B1-A642-9B6F-312CE8AAC5A6}"/>
               </a:ext>
             </a:extLst>
           </p:cNvPr>
@@ -14538,6 +13911,13 @@
   <p:clrMapOvr>
     <a:masterClrMapping/>
   </p:clrMapOvr>
+  <p:timing>
+    <p:tnLst>
+      <p:par>
+        <p:cTn id="1" dur="indefinite" restart="never" nodeType="tmRoot"/>
+      </p:par>
+    </p:tnLst>
+  </p:timing>
 </p:sld>
 </file>
 
@@ -14563,7 +13943,7 @@
           <p:cNvPr id="3" name="Rectangle 15">
             <a:extLst>
               <a:ext uri="{FF2B5EF4-FFF2-40B4-BE49-F238E27FC236}">
-                <a16:creationId xmlns:a16="http://schemas.microsoft.com/office/drawing/2014/main" id="{0CF2EDDC-9A30-A547-88A0-2E8FC6DB33F2}"/>
+                <a16:creationId xmlns:a16="http://schemas.microsoft.com/office/drawing/2014/main" xmlns="" id="{0CF2EDDC-9A30-A547-88A0-2E8FC6DB33F2}"/>
               </a:ext>
             </a:extLst>
           </p:cNvPr>
@@ -14970,7 +14350,7 @@
           <p:cNvPr id="30722" name="Rectangle 14">
             <a:extLst>
               <a:ext uri="{FF2B5EF4-FFF2-40B4-BE49-F238E27FC236}">
-                <a16:creationId xmlns:a16="http://schemas.microsoft.com/office/drawing/2014/main" id="{CDF885A1-6865-4C45-AAB2-3DF0BDEBDF62}"/>
+                <a16:creationId xmlns:a16="http://schemas.microsoft.com/office/drawing/2014/main" xmlns="" id="{CDF885A1-6865-4C45-AAB2-3DF0BDEBDF62}"/>
               </a:ext>
             </a:extLst>
           </p:cNvPr>
@@ -15171,6 +14551,13 @@
   <p:clrMapOvr>
     <a:masterClrMapping/>
   </p:clrMapOvr>
+  <p:timing>
+    <p:tnLst>
+      <p:par>
+        <p:cTn id="1" dur="indefinite" restart="never" nodeType="tmRoot"/>
+      </p:par>
+    </p:tnLst>
+  </p:timing>
 </p:sld>
 </file>
 
@@ -15196,7 +14583,7 @@
           <p:cNvPr id="31745" name="Picture 2" descr="Estrategias de marketing digital a través de preguntas clave">
             <a:extLst>
               <a:ext uri="{FF2B5EF4-FFF2-40B4-BE49-F238E27FC236}">
-                <a16:creationId xmlns:a16="http://schemas.microsoft.com/office/drawing/2014/main" id="{66CEA66D-E15C-C847-9B2A-032EF58E0B53}"/>
+                <a16:creationId xmlns:a16="http://schemas.microsoft.com/office/drawing/2014/main" xmlns="" id="{66CEA66D-E15C-C847-9B2A-032EF58E0B53}"/>
               </a:ext>
             </a:extLst>
           </p:cNvPr>
@@ -15256,7 +14643,7 @@
           <p:cNvPr id="31746" name="CuadroTexto 1">
             <a:extLst>
               <a:ext uri="{FF2B5EF4-FFF2-40B4-BE49-F238E27FC236}">
-                <a16:creationId xmlns:a16="http://schemas.microsoft.com/office/drawing/2014/main" id="{FD239F26-72A2-444A-9FA1-740091578B02}"/>
+                <a16:creationId xmlns:a16="http://schemas.microsoft.com/office/drawing/2014/main" xmlns="" id="{FD239F26-72A2-444A-9FA1-740091578B02}"/>
               </a:ext>
             </a:extLst>
           </p:cNvPr>
@@ -15412,7 +14799,7 @@
           <p:cNvPr id="31747" name="Group 22">
             <a:extLst>
               <a:ext uri="{FF2B5EF4-FFF2-40B4-BE49-F238E27FC236}">
-                <a16:creationId xmlns:a16="http://schemas.microsoft.com/office/drawing/2014/main" id="{A3D2F5D2-D269-504A-B84C-C6061FCA57AD}"/>
+                <a16:creationId xmlns:a16="http://schemas.microsoft.com/office/drawing/2014/main" xmlns="" id="{A3D2F5D2-D269-504A-B84C-C6061FCA57AD}"/>
               </a:ext>
             </a:extLst>
           </p:cNvPr>
@@ -15434,7 +14821,7 @@
             <p:cNvPr id="31751" name="Freeform 8" descr="5%">
               <a:extLst>
                 <a:ext uri="{FF2B5EF4-FFF2-40B4-BE49-F238E27FC236}">
-                  <a16:creationId xmlns:a16="http://schemas.microsoft.com/office/drawing/2014/main" id="{949389A0-7C35-D440-A511-E8043CC49841}"/>
+                  <a16:creationId xmlns:a16="http://schemas.microsoft.com/office/drawing/2014/main" xmlns="" id="{949389A0-7C35-D440-A511-E8043CC49841}"/>
                 </a:ext>
               </a:extLst>
             </p:cNvPr>
@@ -15553,7 +14940,7 @@
             <p:cNvPr id="31752" name="Freeform 9" descr="5%">
               <a:extLst>
                 <a:ext uri="{FF2B5EF4-FFF2-40B4-BE49-F238E27FC236}">
-                  <a16:creationId xmlns:a16="http://schemas.microsoft.com/office/drawing/2014/main" id="{06CE39B2-5F93-C74A-AAF4-A1377571A4EA}"/>
+                  <a16:creationId xmlns:a16="http://schemas.microsoft.com/office/drawing/2014/main" xmlns="" id="{06CE39B2-5F93-C74A-AAF4-A1377571A4EA}"/>
                 </a:ext>
               </a:extLst>
             </p:cNvPr>
@@ -15672,7 +15059,7 @@
             <p:cNvPr id="31753" name="Freeform 10" descr="5%">
               <a:extLst>
                 <a:ext uri="{FF2B5EF4-FFF2-40B4-BE49-F238E27FC236}">
-                  <a16:creationId xmlns:a16="http://schemas.microsoft.com/office/drawing/2014/main" id="{C97A05CA-BA23-5B43-BB1D-598E35F33716}"/>
+                  <a16:creationId xmlns:a16="http://schemas.microsoft.com/office/drawing/2014/main" xmlns="" id="{C97A05CA-BA23-5B43-BB1D-598E35F33716}"/>
                 </a:ext>
               </a:extLst>
             </p:cNvPr>
@@ -15791,7 +15178,7 @@
             <p:cNvPr id="31754" name="Freeform 11" descr="5%">
               <a:extLst>
                 <a:ext uri="{FF2B5EF4-FFF2-40B4-BE49-F238E27FC236}">
-                  <a16:creationId xmlns:a16="http://schemas.microsoft.com/office/drawing/2014/main" id="{2B84887D-7D31-644A-9461-B0EF770AB71C}"/>
+                  <a16:creationId xmlns:a16="http://schemas.microsoft.com/office/drawing/2014/main" xmlns="" id="{2B84887D-7D31-644A-9461-B0EF770AB71C}"/>
                 </a:ext>
               </a:extLst>
             </p:cNvPr>
@@ -15910,7 +15297,7 @@
             <p:cNvPr id="31755" name="Freeform 12" descr="5%">
               <a:extLst>
                 <a:ext uri="{FF2B5EF4-FFF2-40B4-BE49-F238E27FC236}">
-                  <a16:creationId xmlns:a16="http://schemas.microsoft.com/office/drawing/2014/main" id="{66D9D94A-DB3D-9246-8945-18F31C431B30}"/>
+                  <a16:creationId xmlns:a16="http://schemas.microsoft.com/office/drawing/2014/main" xmlns="" id="{66D9D94A-DB3D-9246-8945-18F31C431B30}"/>
                 </a:ext>
               </a:extLst>
             </p:cNvPr>
@@ -16029,7 +15416,7 @@
             <p:cNvPr id="31756" name="Freeform 13" descr="5%">
               <a:extLst>
                 <a:ext uri="{FF2B5EF4-FFF2-40B4-BE49-F238E27FC236}">
-                  <a16:creationId xmlns:a16="http://schemas.microsoft.com/office/drawing/2014/main" id="{EAD71A5A-2B41-2E4C-B00A-6C190547D1ED}"/>
+                  <a16:creationId xmlns:a16="http://schemas.microsoft.com/office/drawing/2014/main" xmlns="" id="{EAD71A5A-2B41-2E4C-B00A-6C190547D1ED}"/>
                 </a:ext>
               </a:extLst>
             </p:cNvPr>
@@ -16149,7 +15536,7 @@
           <p:cNvPr id="31748" name="Freeform 17">
             <a:extLst>
               <a:ext uri="{FF2B5EF4-FFF2-40B4-BE49-F238E27FC236}">
-                <a16:creationId xmlns:a16="http://schemas.microsoft.com/office/drawing/2014/main" id="{7F1EC75B-5B06-4F42-A007-2C7CE755ABBE}"/>
+                <a16:creationId xmlns:a16="http://schemas.microsoft.com/office/drawing/2014/main" xmlns="" id="{7F1EC75B-5B06-4F42-A007-2C7CE755ABBE}"/>
               </a:ext>
             </a:extLst>
           </p:cNvPr>
@@ -16264,7 +15651,7 @@
           <p:cNvPr id="31749" name="17 Imagen">
             <a:extLst>
               <a:ext uri="{FF2B5EF4-FFF2-40B4-BE49-F238E27FC236}">
-                <a16:creationId xmlns:a16="http://schemas.microsoft.com/office/drawing/2014/main" id="{F3812B2B-ED5E-D14C-803D-3858F435CB5E}"/>
+                <a16:creationId xmlns:a16="http://schemas.microsoft.com/office/drawing/2014/main" xmlns="" id="{F3812B2B-ED5E-D14C-803D-3858F435CB5E}"/>
               </a:ext>
             </a:extLst>
           </p:cNvPr>
@@ -16324,7 +15711,7 @@
           <p:cNvPr id="31750" name="Imagen 15">
             <a:extLst>
               <a:ext uri="{FF2B5EF4-FFF2-40B4-BE49-F238E27FC236}">
-                <a16:creationId xmlns:a16="http://schemas.microsoft.com/office/drawing/2014/main" id="{41854531-9AB6-5240-8FAD-0DA24A1221E5}"/>
+                <a16:creationId xmlns:a16="http://schemas.microsoft.com/office/drawing/2014/main" xmlns="" id="{41854531-9AB6-5240-8FAD-0DA24A1221E5}"/>
               </a:ext>
             </a:extLst>
           </p:cNvPr>
@@ -16384,6 +15771,13 @@
   <p:clrMapOvr>
     <a:masterClrMapping/>
   </p:clrMapOvr>
+  <p:timing>
+    <p:tnLst>
+      <p:par>
+        <p:cTn id="1" dur="indefinite" restart="never" nodeType="tmRoot"/>
+      </p:par>
+    </p:tnLst>
+  </p:timing>
 </p:sld>
 </file>
 
@@ -16409,7 +15803,7 @@
           <p:cNvPr id="15361" name="Group 22">
             <a:extLst>
               <a:ext uri="{FF2B5EF4-FFF2-40B4-BE49-F238E27FC236}">
-                <a16:creationId xmlns:a16="http://schemas.microsoft.com/office/drawing/2014/main" id="{6B6EABA4-F252-6746-8ED0-EF684C8CADED}"/>
+                <a16:creationId xmlns:a16="http://schemas.microsoft.com/office/drawing/2014/main" xmlns="" id="{6B6EABA4-F252-6746-8ED0-EF684C8CADED}"/>
               </a:ext>
             </a:extLst>
           </p:cNvPr>
@@ -16431,7 +15825,7 @@
             <p:cNvPr id="15366" name="Freeform 8" descr="5%">
               <a:extLst>
                 <a:ext uri="{FF2B5EF4-FFF2-40B4-BE49-F238E27FC236}">
-                  <a16:creationId xmlns:a16="http://schemas.microsoft.com/office/drawing/2014/main" id="{58D4CBDD-1133-A449-943D-DD62EB429140}"/>
+                  <a16:creationId xmlns:a16="http://schemas.microsoft.com/office/drawing/2014/main" xmlns="" id="{58D4CBDD-1133-A449-943D-DD62EB429140}"/>
                 </a:ext>
               </a:extLst>
             </p:cNvPr>
@@ -16550,7 +15944,7 @@
             <p:cNvPr id="15367" name="Freeform 9" descr="5%">
               <a:extLst>
                 <a:ext uri="{FF2B5EF4-FFF2-40B4-BE49-F238E27FC236}">
-                  <a16:creationId xmlns:a16="http://schemas.microsoft.com/office/drawing/2014/main" id="{8C6EC880-9B1D-F447-9A6B-3F9B0AE3929D}"/>
+                  <a16:creationId xmlns:a16="http://schemas.microsoft.com/office/drawing/2014/main" xmlns="" id="{8C6EC880-9B1D-F447-9A6B-3F9B0AE3929D}"/>
                 </a:ext>
               </a:extLst>
             </p:cNvPr>
@@ -16669,7 +16063,7 @@
             <p:cNvPr id="15368" name="Freeform 10" descr="5%">
               <a:extLst>
                 <a:ext uri="{FF2B5EF4-FFF2-40B4-BE49-F238E27FC236}">
-                  <a16:creationId xmlns:a16="http://schemas.microsoft.com/office/drawing/2014/main" id="{1085577F-A61A-C647-B1BB-3EC24D1EF570}"/>
+                  <a16:creationId xmlns:a16="http://schemas.microsoft.com/office/drawing/2014/main" xmlns="" id="{1085577F-A61A-C647-B1BB-3EC24D1EF570}"/>
                 </a:ext>
               </a:extLst>
             </p:cNvPr>
@@ -16788,7 +16182,7 @@
             <p:cNvPr id="15369" name="Freeform 11" descr="5%">
               <a:extLst>
                 <a:ext uri="{FF2B5EF4-FFF2-40B4-BE49-F238E27FC236}">
-                  <a16:creationId xmlns:a16="http://schemas.microsoft.com/office/drawing/2014/main" id="{42171880-3EF9-BD46-B394-72256EDB9F85}"/>
+                  <a16:creationId xmlns:a16="http://schemas.microsoft.com/office/drawing/2014/main" xmlns="" id="{42171880-3EF9-BD46-B394-72256EDB9F85}"/>
                 </a:ext>
               </a:extLst>
             </p:cNvPr>
@@ -16907,7 +16301,7 @@
             <p:cNvPr id="15370" name="Freeform 12" descr="5%">
               <a:extLst>
                 <a:ext uri="{FF2B5EF4-FFF2-40B4-BE49-F238E27FC236}">
-                  <a16:creationId xmlns:a16="http://schemas.microsoft.com/office/drawing/2014/main" id="{4F9B3D7C-E1D0-FB44-B206-F2BECC14B1CD}"/>
+                  <a16:creationId xmlns:a16="http://schemas.microsoft.com/office/drawing/2014/main" xmlns="" id="{4F9B3D7C-E1D0-FB44-B206-F2BECC14B1CD}"/>
                 </a:ext>
               </a:extLst>
             </p:cNvPr>
@@ -17026,7 +16420,7 @@
             <p:cNvPr id="15371" name="Freeform 13" descr="5%">
               <a:extLst>
                 <a:ext uri="{FF2B5EF4-FFF2-40B4-BE49-F238E27FC236}">
-                  <a16:creationId xmlns:a16="http://schemas.microsoft.com/office/drawing/2014/main" id="{A24C0792-FA25-B748-886A-35F5ACA408AE}"/>
+                  <a16:creationId xmlns:a16="http://schemas.microsoft.com/office/drawing/2014/main" xmlns="" id="{A24C0792-FA25-B748-886A-35F5ACA408AE}"/>
                 </a:ext>
               </a:extLst>
             </p:cNvPr>
@@ -17146,7 +16540,7 @@
           <p:cNvPr id="15362" name="Rectangle 14">
             <a:extLst>
               <a:ext uri="{FF2B5EF4-FFF2-40B4-BE49-F238E27FC236}">
-                <a16:creationId xmlns:a16="http://schemas.microsoft.com/office/drawing/2014/main" id="{C44CDA25-06B2-4046-B1AC-A83281A09170}"/>
+                <a16:creationId xmlns:a16="http://schemas.microsoft.com/office/drawing/2014/main" xmlns="" id="{C44CDA25-06B2-4046-B1AC-A83281A09170}"/>
               </a:ext>
             </a:extLst>
           </p:cNvPr>
@@ -17345,7 +16739,7 @@
           <p:cNvPr id="15363" name="Rectangle 15">
             <a:extLst>
               <a:ext uri="{FF2B5EF4-FFF2-40B4-BE49-F238E27FC236}">
-                <a16:creationId xmlns:a16="http://schemas.microsoft.com/office/drawing/2014/main" id="{68AF690E-04A9-5542-820D-442B8473CB9D}"/>
+                <a16:creationId xmlns:a16="http://schemas.microsoft.com/office/drawing/2014/main" xmlns="" id="{68AF690E-04A9-5542-820D-442B8473CB9D}"/>
               </a:ext>
             </a:extLst>
           </p:cNvPr>
@@ -17541,7 +16935,7 @@
           <p:cNvPr id="15364" name="Freeform 17">
             <a:extLst>
               <a:ext uri="{FF2B5EF4-FFF2-40B4-BE49-F238E27FC236}">
-                <a16:creationId xmlns:a16="http://schemas.microsoft.com/office/drawing/2014/main" id="{ACB45F95-1541-4E4A-A55E-D838EEDC1698}"/>
+                <a16:creationId xmlns:a16="http://schemas.microsoft.com/office/drawing/2014/main" xmlns="" id="{ACB45F95-1541-4E4A-A55E-D838EEDC1698}"/>
               </a:ext>
             </a:extLst>
           </p:cNvPr>
@@ -17656,7 +17050,7 @@
           <p:cNvPr id="15365" name="17 Imagen">
             <a:extLst>
               <a:ext uri="{FF2B5EF4-FFF2-40B4-BE49-F238E27FC236}">
-                <a16:creationId xmlns:a16="http://schemas.microsoft.com/office/drawing/2014/main" id="{794BF391-464F-5548-8F2D-BF964DF6B303}"/>
+                <a16:creationId xmlns:a16="http://schemas.microsoft.com/office/drawing/2014/main" xmlns="" id="{794BF391-464F-5548-8F2D-BF964DF6B303}"/>
               </a:ext>
             </a:extLst>
           </p:cNvPr>
@@ -17741,7 +17135,7 @@
           <p:cNvPr id="16385" name="Rectangle 14">
             <a:extLst>
               <a:ext uri="{FF2B5EF4-FFF2-40B4-BE49-F238E27FC236}">
-                <a16:creationId xmlns:a16="http://schemas.microsoft.com/office/drawing/2014/main" id="{3665E0D4-68DF-7A4B-92E0-B652D965824C}"/>
+                <a16:creationId xmlns:a16="http://schemas.microsoft.com/office/drawing/2014/main" xmlns="" id="{3665E0D4-68DF-7A4B-92E0-B652D965824C}"/>
               </a:ext>
             </a:extLst>
           </p:cNvPr>
@@ -17940,7 +17334,7 @@
           <p:cNvPr id="3" name="Rectangle 15">
             <a:extLst>
               <a:ext uri="{FF2B5EF4-FFF2-40B4-BE49-F238E27FC236}">
-                <a16:creationId xmlns:a16="http://schemas.microsoft.com/office/drawing/2014/main" id="{B6008905-9D15-CC48-A0A6-3FB1AB157C26}"/>
+                <a16:creationId xmlns:a16="http://schemas.microsoft.com/office/drawing/2014/main" xmlns="" id="{B6008905-9D15-CC48-A0A6-3FB1AB157C26}"/>
               </a:ext>
             </a:extLst>
           </p:cNvPr>
@@ -18375,7 +17769,7 @@
           <p:cNvPr id="3" name="Rectangle 15">
             <a:extLst>
               <a:ext uri="{FF2B5EF4-FFF2-40B4-BE49-F238E27FC236}">
-                <a16:creationId xmlns:a16="http://schemas.microsoft.com/office/drawing/2014/main" id="{B6008905-9D15-CC48-A0A6-3FB1AB157C26}"/>
+                <a16:creationId xmlns:a16="http://schemas.microsoft.com/office/drawing/2014/main" xmlns="" id="{B6008905-9D15-CC48-A0A6-3FB1AB157C26}"/>
               </a:ext>
             </a:extLst>
           </p:cNvPr>
@@ -18697,7 +18091,7 @@
           <p:cNvPr id="17410" name="Rectangle 14">
             <a:extLst>
               <a:ext uri="{FF2B5EF4-FFF2-40B4-BE49-F238E27FC236}">
-                <a16:creationId xmlns:a16="http://schemas.microsoft.com/office/drawing/2014/main" id="{19335601-E8EC-D844-82A7-148DF9D679CC}"/>
+                <a16:creationId xmlns:a16="http://schemas.microsoft.com/office/drawing/2014/main" xmlns="" id="{19335601-E8EC-D844-82A7-148DF9D679CC}"/>
               </a:ext>
             </a:extLst>
           </p:cNvPr>
@@ -18874,7 +18268,7 @@
           <p:cNvPr id="17411" name="Imagen 7" descr="Imagen que contiene captura de pantalla&#10;&#10;Descripción generada automáticamente">
             <a:extLst>
               <a:ext uri="{FF2B5EF4-FFF2-40B4-BE49-F238E27FC236}">
-                <a16:creationId xmlns:a16="http://schemas.microsoft.com/office/drawing/2014/main" id="{3D50A19F-DC29-0A47-B2F9-739873DF7588}"/>
+                <a16:creationId xmlns:a16="http://schemas.microsoft.com/office/drawing/2014/main" xmlns="" id="{3D50A19F-DC29-0A47-B2F9-739873DF7588}"/>
               </a:ext>
             </a:extLst>
           </p:cNvPr>
@@ -18959,7 +18353,7 @@
           <p:cNvPr id="3" name="Rectangle 15">
             <a:extLst>
               <a:ext uri="{FF2B5EF4-FFF2-40B4-BE49-F238E27FC236}">
-                <a16:creationId xmlns:a16="http://schemas.microsoft.com/office/drawing/2014/main" id="{B6008905-9D15-CC48-A0A6-3FB1AB157C26}"/>
+                <a16:creationId xmlns:a16="http://schemas.microsoft.com/office/drawing/2014/main" xmlns="" id="{B6008905-9D15-CC48-A0A6-3FB1AB157C26}"/>
               </a:ext>
             </a:extLst>
           </p:cNvPr>
@@ -19366,7 +18760,7 @@
           <p:cNvPr id="18434" name="Rectangle 14">
             <a:extLst>
               <a:ext uri="{FF2B5EF4-FFF2-40B4-BE49-F238E27FC236}">
-                <a16:creationId xmlns:a16="http://schemas.microsoft.com/office/drawing/2014/main" id="{B60F165E-FB51-E84F-9142-5E2364069006}"/>
+                <a16:creationId xmlns:a16="http://schemas.microsoft.com/office/drawing/2014/main" xmlns="" id="{B60F165E-FB51-E84F-9142-5E2364069006}"/>
               </a:ext>
             </a:extLst>
           </p:cNvPr>
@@ -19568,7 +18962,7 @@
           <p:cNvPr id="19457" name="Rectangle 14">
             <a:extLst>
               <a:ext uri="{FF2B5EF4-FFF2-40B4-BE49-F238E27FC236}">
-                <a16:creationId xmlns:a16="http://schemas.microsoft.com/office/drawing/2014/main" id="{5225D6A2-5E77-BF42-808A-DAAD5124E8CB}"/>
+                <a16:creationId xmlns:a16="http://schemas.microsoft.com/office/drawing/2014/main" xmlns="" id="{5225D6A2-5E77-BF42-808A-DAAD5124E8CB}"/>
               </a:ext>
             </a:extLst>
           </p:cNvPr>
@@ -19762,7 +19156,7 @@
           <p:cNvPr id="2" name="Tabla 1">
             <a:extLst>
               <a:ext uri="{FF2B5EF4-FFF2-40B4-BE49-F238E27FC236}">
-                <a16:creationId xmlns:a16="http://schemas.microsoft.com/office/drawing/2014/main" id="{26DD4294-8209-134E-824C-DB89AAC7C8C4}"/>
+                <a16:creationId xmlns:a16="http://schemas.microsoft.com/office/drawing/2014/main" xmlns="" id="{26DD4294-8209-134E-824C-DB89AAC7C8C4}"/>
               </a:ext>
             </a:extLst>
           </p:cNvPr>
@@ -19783,28 +19177,28 @@
                 <a:gridCol w="1081088">
                   <a:extLst>
                     <a:ext uri="{9D8B030D-6E8A-4147-A177-3AD203B41FA5}">
-                      <a16:colId xmlns:a16="http://schemas.microsoft.com/office/drawing/2014/main" val="4251314947"/>
+                      <a16:colId xmlns:a16="http://schemas.microsoft.com/office/drawing/2014/main" xmlns="" val="4251314947"/>
                     </a:ext>
                   </a:extLst>
                 </a:gridCol>
                 <a:gridCol w="1316037">
                   <a:extLst>
                     <a:ext uri="{9D8B030D-6E8A-4147-A177-3AD203B41FA5}">
-                      <a16:colId xmlns:a16="http://schemas.microsoft.com/office/drawing/2014/main" val="2736093037"/>
+                      <a16:colId xmlns:a16="http://schemas.microsoft.com/office/drawing/2014/main" xmlns="" val="2736093037"/>
                     </a:ext>
                   </a:extLst>
                 </a:gridCol>
                 <a:gridCol w="4478338">
                   <a:extLst>
                     <a:ext uri="{9D8B030D-6E8A-4147-A177-3AD203B41FA5}">
-                      <a16:colId xmlns:a16="http://schemas.microsoft.com/office/drawing/2014/main" val="3686150401"/>
+                      <a16:colId xmlns:a16="http://schemas.microsoft.com/office/drawing/2014/main" xmlns="" val="3686150401"/>
                     </a:ext>
                   </a:extLst>
                 </a:gridCol>
                 <a:gridCol w="1117600">
                   <a:extLst>
                     <a:ext uri="{9D8B030D-6E8A-4147-A177-3AD203B41FA5}">
-                      <a16:colId xmlns:a16="http://schemas.microsoft.com/office/drawing/2014/main" val="471124347"/>
+                      <a16:colId xmlns:a16="http://schemas.microsoft.com/office/drawing/2014/main" xmlns="" val="471124347"/>
                     </a:ext>
                   </a:extLst>
                 </a:gridCol>
@@ -20808,7 +20202,7 @@
                 </a:tc>
                 <a:extLst>
                   <a:ext uri="{0D108BD9-81ED-4DB2-BD59-A6C34878D82A}">
-                    <a16:rowId xmlns:a16="http://schemas.microsoft.com/office/drawing/2014/main" val="1157660087"/>
+                    <a16:rowId xmlns:a16="http://schemas.microsoft.com/office/drawing/2014/main" xmlns="" val="1157660087"/>
                   </a:ext>
                 </a:extLst>
               </a:tr>
@@ -21707,7 +21101,7 @@
                 </a:tc>
                 <a:extLst>
                   <a:ext uri="{0D108BD9-81ED-4DB2-BD59-A6C34878D82A}">
-                    <a16:rowId xmlns:a16="http://schemas.microsoft.com/office/drawing/2014/main" val="4093355484"/>
+                    <a16:rowId xmlns:a16="http://schemas.microsoft.com/office/drawing/2014/main" xmlns="" val="4093355484"/>
                   </a:ext>
                 </a:extLst>
               </a:tr>
@@ -22606,7 +22000,7 @@
                 </a:tc>
                 <a:extLst>
                   <a:ext uri="{0D108BD9-81ED-4DB2-BD59-A6C34878D82A}">
-                    <a16:rowId xmlns:a16="http://schemas.microsoft.com/office/drawing/2014/main" val="3606071036"/>
+                    <a16:rowId xmlns:a16="http://schemas.microsoft.com/office/drawing/2014/main" xmlns="" val="3606071036"/>
                   </a:ext>
                 </a:extLst>
               </a:tr>
@@ -23505,7 +22899,7 @@
                 </a:tc>
                 <a:extLst>
                   <a:ext uri="{0D108BD9-81ED-4DB2-BD59-A6C34878D82A}">
-                    <a16:rowId xmlns:a16="http://schemas.microsoft.com/office/drawing/2014/main" val="2570610916"/>
+                    <a16:rowId xmlns:a16="http://schemas.microsoft.com/office/drawing/2014/main" xmlns="" val="2570610916"/>
                   </a:ext>
                 </a:extLst>
               </a:tr>
@@ -24404,7 +23798,7 @@
                 </a:tc>
                 <a:extLst>
                   <a:ext uri="{0D108BD9-81ED-4DB2-BD59-A6C34878D82A}">
-                    <a16:rowId xmlns:a16="http://schemas.microsoft.com/office/drawing/2014/main" val="1852518264"/>
+                    <a16:rowId xmlns:a16="http://schemas.microsoft.com/office/drawing/2014/main" xmlns="" val="1852518264"/>
                   </a:ext>
                 </a:extLst>
               </a:tr>
@@ -25303,7 +24697,7 @@
                 </a:tc>
                 <a:extLst>
                   <a:ext uri="{0D108BD9-81ED-4DB2-BD59-A6C34878D82A}">
-                    <a16:rowId xmlns:a16="http://schemas.microsoft.com/office/drawing/2014/main" val="1276453408"/>
+                    <a16:rowId xmlns:a16="http://schemas.microsoft.com/office/drawing/2014/main" xmlns="" val="1276453408"/>
                   </a:ext>
                 </a:extLst>
               </a:tr>
@@ -26202,7 +25596,7 @@
                 </a:tc>
                 <a:extLst>
                   <a:ext uri="{0D108BD9-81ED-4DB2-BD59-A6C34878D82A}">
-                    <a16:rowId xmlns:a16="http://schemas.microsoft.com/office/drawing/2014/main" val="2916713701"/>
+                    <a16:rowId xmlns:a16="http://schemas.microsoft.com/office/drawing/2014/main" xmlns="" val="2916713701"/>
                   </a:ext>
                 </a:extLst>
               </a:tr>
@@ -27101,7 +26495,7 @@
                 </a:tc>
                 <a:extLst>
                   <a:ext uri="{0D108BD9-81ED-4DB2-BD59-A6C34878D82A}">
-                    <a16:rowId xmlns:a16="http://schemas.microsoft.com/office/drawing/2014/main" val="435321659"/>
+                    <a16:rowId xmlns:a16="http://schemas.microsoft.com/office/drawing/2014/main" xmlns="" val="435321659"/>
                   </a:ext>
                 </a:extLst>
               </a:tr>
@@ -28000,7 +27394,7 @@
                 </a:tc>
                 <a:extLst>
                   <a:ext uri="{0D108BD9-81ED-4DB2-BD59-A6C34878D82A}">
-                    <a16:rowId xmlns:a16="http://schemas.microsoft.com/office/drawing/2014/main" val="3043699211"/>
+                    <a16:rowId xmlns:a16="http://schemas.microsoft.com/office/drawing/2014/main" xmlns="" val="3043699211"/>
                   </a:ext>
                 </a:extLst>
               </a:tr>
@@ -28899,7 +28293,7 @@
                 </a:tc>
                 <a:extLst>
                   <a:ext uri="{0D108BD9-81ED-4DB2-BD59-A6C34878D82A}">
-                    <a16:rowId xmlns:a16="http://schemas.microsoft.com/office/drawing/2014/main" val="296968753"/>
+                    <a16:rowId xmlns:a16="http://schemas.microsoft.com/office/drawing/2014/main" xmlns="" val="296968753"/>
                   </a:ext>
                 </a:extLst>
               </a:tr>
@@ -29798,7 +29192,7 @@
                 </a:tc>
                 <a:extLst>
                   <a:ext uri="{0D108BD9-81ED-4DB2-BD59-A6C34878D82A}">
-                    <a16:rowId xmlns:a16="http://schemas.microsoft.com/office/drawing/2014/main" val="783758813"/>
+                    <a16:rowId xmlns:a16="http://schemas.microsoft.com/office/drawing/2014/main" xmlns="" val="783758813"/>
                   </a:ext>
                 </a:extLst>
               </a:tr>
@@ -30697,7 +30091,7 @@
                 </a:tc>
                 <a:extLst>
                   <a:ext uri="{0D108BD9-81ED-4DB2-BD59-A6C34878D82A}">
-                    <a16:rowId xmlns:a16="http://schemas.microsoft.com/office/drawing/2014/main" val="3735691175"/>
+                    <a16:rowId xmlns:a16="http://schemas.microsoft.com/office/drawing/2014/main" xmlns="" val="3735691175"/>
                   </a:ext>
                 </a:extLst>
               </a:tr>
@@ -31596,7 +30990,7 @@
                 </a:tc>
                 <a:extLst>
                   <a:ext uri="{0D108BD9-81ED-4DB2-BD59-A6C34878D82A}">
-                    <a16:rowId xmlns:a16="http://schemas.microsoft.com/office/drawing/2014/main" val="400332853"/>
+                    <a16:rowId xmlns:a16="http://schemas.microsoft.com/office/drawing/2014/main" xmlns="" val="400332853"/>
                   </a:ext>
                 </a:extLst>
               </a:tr>
@@ -31609,7 +31003,7 @@
           <p:cNvPr id="7" name="Rectangle 15">
             <a:extLst>
               <a:ext uri="{FF2B5EF4-FFF2-40B4-BE49-F238E27FC236}">
-                <a16:creationId xmlns:a16="http://schemas.microsoft.com/office/drawing/2014/main" id="{32D706F2-7F0C-B24C-AC28-E951A7466C52}"/>
+                <a16:creationId xmlns:a16="http://schemas.microsoft.com/office/drawing/2014/main" xmlns="" id="{32D706F2-7F0C-B24C-AC28-E951A7466C52}"/>
               </a:ext>
             </a:extLst>
           </p:cNvPr>
@@ -31931,7 +31325,7 @@
           <p:cNvPr id="20481" name="Rectangle 14">
             <a:extLst>
               <a:ext uri="{FF2B5EF4-FFF2-40B4-BE49-F238E27FC236}">
-                <a16:creationId xmlns:a16="http://schemas.microsoft.com/office/drawing/2014/main" id="{B565559A-C46F-994A-B63A-D4A30B410A91}"/>
+                <a16:creationId xmlns:a16="http://schemas.microsoft.com/office/drawing/2014/main" xmlns="" id="{B565559A-C46F-994A-B63A-D4A30B410A91}"/>
               </a:ext>
             </a:extLst>
           </p:cNvPr>
@@ -32125,7 +31519,7 @@
           <p:cNvPr id="7" name="Rectangle 15">
             <a:extLst>
               <a:ext uri="{FF2B5EF4-FFF2-40B4-BE49-F238E27FC236}">
-                <a16:creationId xmlns:a16="http://schemas.microsoft.com/office/drawing/2014/main" id="{32D706F2-7F0C-B24C-AC28-E951A7466C52}"/>
+                <a16:creationId xmlns:a16="http://schemas.microsoft.com/office/drawing/2014/main" xmlns="" id="{32D706F2-7F0C-B24C-AC28-E951A7466C52}"/>
               </a:ext>
             </a:extLst>
           </p:cNvPr>
@@ -32422,7 +31816,7 @@
           <p:cNvPr id="3" name="Tabla 2">
             <a:extLst>
               <a:ext uri="{FF2B5EF4-FFF2-40B4-BE49-F238E27FC236}">
-                <a16:creationId xmlns:a16="http://schemas.microsoft.com/office/drawing/2014/main" id="{389BE12A-39FA-8E4F-9CF1-A33C775C4AC0}"/>
+                <a16:creationId xmlns:a16="http://schemas.microsoft.com/office/drawing/2014/main" xmlns="" id="{389BE12A-39FA-8E4F-9CF1-A33C775C4AC0}"/>
               </a:ext>
             </a:extLst>
           </p:cNvPr>
@@ -32443,28 +31837,28 @@
                 <a:gridCol w="1077912">
                   <a:extLst>
                     <a:ext uri="{9D8B030D-6E8A-4147-A177-3AD203B41FA5}">
-                      <a16:colId xmlns:a16="http://schemas.microsoft.com/office/drawing/2014/main" val="3013936294"/>
+                      <a16:colId xmlns:a16="http://schemas.microsoft.com/office/drawing/2014/main" xmlns="" val="3013936294"/>
                     </a:ext>
                   </a:extLst>
                 </a:gridCol>
                 <a:gridCol w="1293813">
                   <a:extLst>
                     <a:ext uri="{9D8B030D-6E8A-4147-A177-3AD203B41FA5}">
-                      <a16:colId xmlns:a16="http://schemas.microsoft.com/office/drawing/2014/main" val="3913480577"/>
+                      <a16:colId xmlns:a16="http://schemas.microsoft.com/office/drawing/2014/main" xmlns="" val="3913480577"/>
                     </a:ext>
                   </a:extLst>
                 </a:gridCol>
                 <a:gridCol w="4313237">
                   <a:extLst>
                     <a:ext uri="{9D8B030D-6E8A-4147-A177-3AD203B41FA5}">
-                      <a16:colId xmlns:a16="http://schemas.microsoft.com/office/drawing/2014/main" val="3417010986"/>
+                      <a16:colId xmlns:a16="http://schemas.microsoft.com/office/drawing/2014/main" xmlns="" val="3417010986"/>
                     </a:ext>
                   </a:extLst>
                 </a:gridCol>
                 <a:gridCol w="1077913">
                   <a:extLst>
                     <a:ext uri="{9D8B030D-6E8A-4147-A177-3AD203B41FA5}">
-                      <a16:colId xmlns:a16="http://schemas.microsoft.com/office/drawing/2014/main" val="3352973661"/>
+                      <a16:colId xmlns:a16="http://schemas.microsoft.com/office/drawing/2014/main" xmlns="" val="3352973661"/>
                     </a:ext>
                   </a:extLst>
                 </a:gridCol>
@@ -33304,7 +32698,7 @@
                 </a:tc>
                 <a:extLst>
                   <a:ext uri="{0D108BD9-81ED-4DB2-BD59-A6C34878D82A}">
-                    <a16:rowId xmlns:a16="http://schemas.microsoft.com/office/drawing/2014/main" val="1608216970"/>
+                    <a16:rowId xmlns:a16="http://schemas.microsoft.com/office/drawing/2014/main" xmlns="" val="1608216970"/>
                   </a:ext>
                 </a:extLst>
               </a:tr>
@@ -34174,7 +33568,7 @@
                 </a:tc>
                 <a:extLst>
                   <a:ext uri="{0D108BD9-81ED-4DB2-BD59-A6C34878D82A}">
-                    <a16:rowId xmlns:a16="http://schemas.microsoft.com/office/drawing/2014/main" val="3763530678"/>
+                    <a16:rowId xmlns:a16="http://schemas.microsoft.com/office/drawing/2014/main" xmlns="" val="3763530678"/>
                   </a:ext>
                 </a:extLst>
               </a:tr>
@@ -35044,7 +34438,7 @@
                 </a:tc>
                 <a:extLst>
                   <a:ext uri="{0D108BD9-81ED-4DB2-BD59-A6C34878D82A}">
-                    <a16:rowId xmlns:a16="http://schemas.microsoft.com/office/drawing/2014/main" val="2477254167"/>
+                    <a16:rowId xmlns:a16="http://schemas.microsoft.com/office/drawing/2014/main" xmlns="" val="2477254167"/>
                   </a:ext>
                 </a:extLst>
               </a:tr>
@@ -35914,7 +35308,7 @@
                 </a:tc>
                 <a:extLst>
                   <a:ext uri="{0D108BD9-81ED-4DB2-BD59-A6C34878D82A}">
-                    <a16:rowId xmlns:a16="http://schemas.microsoft.com/office/drawing/2014/main" val="2012449135"/>
+                    <a16:rowId xmlns:a16="http://schemas.microsoft.com/office/drawing/2014/main" xmlns="" val="2012449135"/>
                   </a:ext>
                 </a:extLst>
               </a:tr>
@@ -36784,7 +36178,7 @@
                 </a:tc>
                 <a:extLst>
                   <a:ext uri="{0D108BD9-81ED-4DB2-BD59-A6C34878D82A}">
-                    <a16:rowId xmlns:a16="http://schemas.microsoft.com/office/drawing/2014/main" val="2040027030"/>
+                    <a16:rowId xmlns:a16="http://schemas.microsoft.com/office/drawing/2014/main" xmlns="" val="2040027030"/>
                   </a:ext>
                 </a:extLst>
               </a:tr>
@@ -37654,7 +37048,7 @@
                 </a:tc>
                 <a:extLst>
                   <a:ext uri="{0D108BD9-81ED-4DB2-BD59-A6C34878D82A}">
-                    <a16:rowId xmlns:a16="http://schemas.microsoft.com/office/drawing/2014/main" val="1199700584"/>
+                    <a16:rowId xmlns:a16="http://schemas.microsoft.com/office/drawing/2014/main" xmlns="" val="1199700584"/>
                   </a:ext>
                 </a:extLst>
               </a:tr>
@@ -38524,7 +37918,7 @@
                 </a:tc>
                 <a:extLst>
                   <a:ext uri="{0D108BD9-81ED-4DB2-BD59-A6C34878D82A}">
-                    <a16:rowId xmlns:a16="http://schemas.microsoft.com/office/drawing/2014/main" val="1511691018"/>
+                    <a16:rowId xmlns:a16="http://schemas.microsoft.com/office/drawing/2014/main" xmlns="" val="1511691018"/>
                   </a:ext>
                 </a:extLst>
               </a:tr>
@@ -39394,7 +38788,7 @@
                 </a:tc>
                 <a:extLst>
                   <a:ext uri="{0D108BD9-81ED-4DB2-BD59-A6C34878D82A}">
-                    <a16:rowId xmlns:a16="http://schemas.microsoft.com/office/drawing/2014/main" val="1324948701"/>
+                    <a16:rowId xmlns:a16="http://schemas.microsoft.com/office/drawing/2014/main" xmlns="" val="1324948701"/>
                   </a:ext>
                 </a:extLst>
               </a:tr>
@@ -40264,7 +39658,7 @@
                 </a:tc>
                 <a:extLst>
                   <a:ext uri="{0D108BD9-81ED-4DB2-BD59-A6C34878D82A}">
-                    <a16:rowId xmlns:a16="http://schemas.microsoft.com/office/drawing/2014/main" val="3446502349"/>
+                    <a16:rowId xmlns:a16="http://schemas.microsoft.com/office/drawing/2014/main" xmlns="" val="3446502349"/>
                   </a:ext>
                 </a:extLst>
               </a:tr>
@@ -41103,7 +40497,7 @@
                 </a:tc>
                 <a:extLst>
                   <a:ext uri="{0D108BD9-81ED-4DB2-BD59-A6C34878D82A}">
-                    <a16:rowId xmlns:a16="http://schemas.microsoft.com/office/drawing/2014/main" val="3579672339"/>
+                    <a16:rowId xmlns:a16="http://schemas.microsoft.com/office/drawing/2014/main" xmlns="" val="3579672339"/>
                   </a:ext>
                 </a:extLst>
               </a:tr>
@@ -41141,7 +40535,7 @@
           <p:cNvPr id="21505" name="Rectangle 14">
             <a:extLst>
               <a:ext uri="{FF2B5EF4-FFF2-40B4-BE49-F238E27FC236}">
-                <a16:creationId xmlns:a16="http://schemas.microsoft.com/office/drawing/2014/main" id="{5D657D9C-5258-8948-9043-591C219D66FB}"/>
+                <a16:creationId xmlns:a16="http://schemas.microsoft.com/office/drawing/2014/main" xmlns="" id="{5D657D9C-5258-8948-9043-591C219D66FB}"/>
               </a:ext>
             </a:extLst>
           </p:cNvPr>
@@ -41335,7 +40729,7 @@
           <p:cNvPr id="3" name="Rectangle 15">
             <a:extLst>
               <a:ext uri="{FF2B5EF4-FFF2-40B4-BE49-F238E27FC236}">
-                <a16:creationId xmlns:a16="http://schemas.microsoft.com/office/drawing/2014/main" id="{0CF2EDDC-9A30-A547-88A0-2E8FC6DB33F2}"/>
+                <a16:creationId xmlns:a16="http://schemas.microsoft.com/office/drawing/2014/main" xmlns="" id="{0CF2EDDC-9A30-A547-88A0-2E8FC6DB33F2}"/>
               </a:ext>
             </a:extLst>
           </p:cNvPr>
@@ -41682,7 +41076,7 @@
           <p:cNvPr id="22529" name="Rectangle 14">
             <a:extLst>
               <a:ext uri="{FF2B5EF4-FFF2-40B4-BE49-F238E27FC236}">
-                <a16:creationId xmlns:a16="http://schemas.microsoft.com/office/drawing/2014/main" id="{6A15FDAB-5CFD-554C-892D-2EAF36084090}"/>
+                <a16:creationId xmlns:a16="http://schemas.microsoft.com/office/drawing/2014/main" xmlns="" id="{6A15FDAB-5CFD-554C-892D-2EAF36084090}"/>
               </a:ext>
             </a:extLst>
           </p:cNvPr>
@@ -41883,7 +41277,7 @@
           <p:cNvPr id="3" name="Rectangle 15">
             <a:extLst>
               <a:ext uri="{FF2B5EF4-FFF2-40B4-BE49-F238E27FC236}">
-                <a16:creationId xmlns:a16="http://schemas.microsoft.com/office/drawing/2014/main" id="{0A328C69-98A3-3A47-986D-A63DAE38B97F}"/>
+                <a16:creationId xmlns:a16="http://schemas.microsoft.com/office/drawing/2014/main" xmlns="" id="{0A328C69-98A3-3A47-986D-A63DAE38B97F}"/>
               </a:ext>
             </a:extLst>
           </p:cNvPr>
@@ -42176,7 +41570,7 @@
           <p:cNvPr id="22531" name="Imagen 4">
             <a:extLst>
               <a:ext uri="{FF2B5EF4-FFF2-40B4-BE49-F238E27FC236}">
-                <a16:creationId xmlns:a16="http://schemas.microsoft.com/office/drawing/2014/main" id="{3E94C914-671F-BD42-ACCA-88BD056EC4C4}"/>
+                <a16:creationId xmlns:a16="http://schemas.microsoft.com/office/drawing/2014/main" xmlns="" id="{3E94C914-671F-BD42-ACCA-88BD056EC4C4}"/>
               </a:ext>
             </a:extLst>
           </p:cNvPr>
